--- a/courses/apcsp/lect10a.pptx
+++ b/courses/apcsp/lect10a.pptx
@@ -5,7 +5,7 @@
     <p:sldMasterId id="2147483791" r:id="rId1"/>
   </p:sldMasterIdLst>
   <p:notesMasterIdLst>
-    <p:notesMasterId r:id="rId15"/>
+    <p:notesMasterId r:id="rId16"/>
   </p:notesMasterIdLst>
   <p:sldIdLst>
     <p:sldId id="256" r:id="rId2"/>
@@ -16,11 +16,12 @@
     <p:sldId id="617" r:id="rId7"/>
     <p:sldId id="618" r:id="rId8"/>
     <p:sldId id="620" r:id="rId9"/>
-    <p:sldId id="624" r:id="rId10"/>
-    <p:sldId id="622" r:id="rId11"/>
-    <p:sldId id="623" r:id="rId12"/>
-    <p:sldId id="619" r:id="rId13"/>
-    <p:sldId id="612" r:id="rId14"/>
+    <p:sldId id="626" r:id="rId10"/>
+    <p:sldId id="624" r:id="rId11"/>
+    <p:sldId id="625" r:id="rId12"/>
+    <p:sldId id="622" r:id="rId13"/>
+    <p:sldId id="623" r:id="rId14"/>
+    <p:sldId id="612" r:id="rId15"/>
   </p:sldIdLst>
   <p:sldSz cx="9144000" cy="5715000" type="screen16x10"/>
   <p:notesSz cx="6858000" cy="9144000"/>
@@ -130,7 +131,7 @@
 <file path=ppt/revisionInfo.xml><?xml version="1.0" encoding="utf-8"?>
 <p1510:revInfo xmlns:a="http://schemas.openxmlformats.org/drawingml/2006/main" xmlns:r="http://schemas.openxmlformats.org/officeDocument/2006/relationships" xmlns:p1510="http://schemas.microsoft.com/office/powerpoint/2015/10/main">
   <p1510:revLst>
-    <p1510:client id="{7BE5F885-73E4-6B4E-8AB2-3573C759DA5D}" v="219" dt="2022-01-18T01:28:38.797"/>
+    <p1510:client id="{7BE5F885-73E4-6B4E-8AB2-3573C759DA5D}" v="352" dt="2022-01-18T17:33:33.954"/>
   </p1510:revLst>
 </p1510:revInfo>
 </file>
@@ -2259,7 +2260,7 @@
   <pc:docChgLst>
     <pc:chgData name="Long Nguyen" userId="f59fb8f3-a021-417a-8bc1-65c8d471c621" providerId="ADAL" clId="{7BE5F885-73E4-6B4E-8AB2-3573C759DA5D}"/>
     <pc:docChg chg="undo custSel addSld delSld modSld">
-      <pc:chgData name="Long Nguyen" userId="f59fb8f3-a021-417a-8bc1-65c8d471c621" providerId="ADAL" clId="{7BE5F885-73E4-6B4E-8AB2-3573C759DA5D}" dt="2022-01-18T01:28:55.425" v="2884" actId="1076"/>
+      <pc:chgData name="Long Nguyen" userId="f59fb8f3-a021-417a-8bc1-65c8d471c621" providerId="ADAL" clId="{7BE5F885-73E4-6B4E-8AB2-3573C759DA5D}" dt="2022-01-18T17:33:33.954" v="3275"/>
       <pc:docMkLst>
         <pc:docMk/>
       </pc:docMkLst>
@@ -2377,7 +2378,7 @@
         </pc:sldMkLst>
       </pc:sldChg>
       <pc:sldChg chg="modSp mod modAnim">
-        <pc:chgData name="Long Nguyen" userId="f59fb8f3-a021-417a-8bc1-65c8d471c621" providerId="ADAL" clId="{7BE5F885-73E4-6B4E-8AB2-3573C759DA5D}" dt="2022-01-15T16:02:25.251" v="2792" actId="20577"/>
+        <pc:chgData name="Long Nguyen" userId="f59fb8f3-a021-417a-8bc1-65c8d471c621" providerId="ADAL" clId="{7BE5F885-73E4-6B4E-8AB2-3573C759DA5D}" dt="2022-01-18T13:54:21.143" v="3160"/>
         <pc:sldMkLst>
           <pc:docMk/>
           <pc:sldMk cId="4205479306" sldId="594"/>
@@ -2449,8 +2450,8 @@
           <pc:sldMk cId="3787391085" sldId="613"/>
         </pc:sldMkLst>
       </pc:sldChg>
-      <pc:sldChg chg="addSp delSp modSp add mod">
-        <pc:chgData name="Long Nguyen" userId="f59fb8f3-a021-417a-8bc1-65c8d471c621" providerId="ADAL" clId="{7BE5F885-73E4-6B4E-8AB2-3573C759DA5D}" dt="2022-01-15T00:59:59.944" v="901"/>
+      <pc:sldChg chg="addSp delSp modSp add mod modAnim">
+        <pc:chgData name="Long Nguyen" userId="f59fb8f3-a021-417a-8bc1-65c8d471c621" providerId="ADAL" clId="{7BE5F885-73E4-6B4E-8AB2-3573C759DA5D}" dt="2022-01-18T13:54:24.772" v="3161"/>
         <pc:sldMkLst>
           <pc:docMk/>
           <pc:sldMk cId="933710" sldId="614"/>
@@ -2488,8 +2489,8 @@
           </ac:picMkLst>
         </pc:picChg>
       </pc:sldChg>
-      <pc:sldChg chg="addSp modSp add mod">
-        <pc:chgData name="Long Nguyen" userId="f59fb8f3-a021-417a-8bc1-65c8d471c621" providerId="ADAL" clId="{7BE5F885-73E4-6B4E-8AB2-3573C759DA5D}" dt="2022-01-15T00:56:02.781" v="713" actId="255"/>
+      <pc:sldChg chg="addSp modSp add mod modAnim">
+        <pc:chgData name="Long Nguyen" userId="f59fb8f3-a021-417a-8bc1-65c8d471c621" providerId="ADAL" clId="{7BE5F885-73E4-6B4E-8AB2-3573C759DA5D}" dt="2022-01-18T13:54:31.794" v="3163"/>
         <pc:sldMkLst>
           <pc:docMk/>
           <pc:sldMk cId="2705432750" sldId="615"/>
@@ -2526,8 +2527,8 @@
           <pc:sldMk cId="3965959204" sldId="615"/>
         </pc:sldMkLst>
       </pc:sldChg>
-      <pc:sldChg chg="addSp delSp modSp add mod">
-        <pc:chgData name="Long Nguyen" userId="f59fb8f3-a021-417a-8bc1-65c8d471c621" providerId="ADAL" clId="{7BE5F885-73E4-6B4E-8AB2-3573C759DA5D}" dt="2022-01-15T01:19:49.426" v="1630" actId="20577"/>
+      <pc:sldChg chg="addSp delSp modSp add mod modAnim">
+        <pc:chgData name="Long Nguyen" userId="f59fb8f3-a021-417a-8bc1-65c8d471c621" providerId="ADAL" clId="{7BE5F885-73E4-6B4E-8AB2-3573C759DA5D}" dt="2022-01-18T17:30:02.524" v="3254" actId="20577"/>
         <pc:sldMkLst>
           <pc:docMk/>
           <pc:sldMk cId="802914710" sldId="616"/>
@@ -2557,7 +2558,7 @@
           </ac:spMkLst>
         </pc:spChg>
         <pc:spChg chg="mod">
-          <ac:chgData name="Long Nguyen" userId="f59fb8f3-a021-417a-8bc1-65c8d471c621" providerId="ADAL" clId="{7BE5F885-73E4-6B4E-8AB2-3573C759DA5D}" dt="2022-01-15T01:18:30.113" v="1613" actId="207"/>
+          <ac:chgData name="Long Nguyen" userId="f59fb8f3-a021-417a-8bc1-65c8d471c621" providerId="ADAL" clId="{7BE5F885-73E4-6B4E-8AB2-3573C759DA5D}" dt="2022-01-18T17:30:02.524" v="3254" actId="20577"/>
           <ac:spMkLst>
             <pc:docMk/>
             <pc:sldMk cId="802914710" sldId="616"/>
@@ -2604,8 +2605,8 @@
           <pc:sldMk cId="75961963" sldId="617"/>
         </pc:sldMkLst>
       </pc:sldChg>
-      <pc:sldChg chg="addSp delSp modSp add mod">
-        <pc:chgData name="Long Nguyen" userId="f59fb8f3-a021-417a-8bc1-65c8d471c621" providerId="ADAL" clId="{7BE5F885-73E4-6B4E-8AB2-3573C759DA5D}" dt="2022-01-15T01:20:07.735" v="1645" actId="20577"/>
+      <pc:sldChg chg="addSp delSp modSp add mod modAnim">
+        <pc:chgData name="Long Nguyen" userId="f59fb8f3-a021-417a-8bc1-65c8d471c621" providerId="ADAL" clId="{7BE5F885-73E4-6B4E-8AB2-3573C759DA5D}" dt="2022-01-18T13:55:05.396" v="3167"/>
         <pc:sldMkLst>
           <pc:docMk/>
           <pc:sldMk cId="2934964911" sldId="617"/>
@@ -2744,8 +2745,8 @@
           <pc:sldMk cId="316487430" sldId="619"/>
         </pc:sldMkLst>
       </pc:sldChg>
-      <pc:sldChg chg="addSp delSp modSp new mod">
-        <pc:chgData name="Long Nguyen" userId="f59fb8f3-a021-417a-8bc1-65c8d471c621" providerId="ADAL" clId="{7BE5F885-73E4-6B4E-8AB2-3573C759DA5D}" dt="2022-01-15T01:27:05.390" v="1652" actId="21"/>
+      <pc:sldChg chg="addSp delSp modSp new del mod">
+        <pc:chgData name="Long Nguyen" userId="f59fb8f3-a021-417a-8bc1-65c8d471c621" providerId="ADAL" clId="{7BE5F885-73E4-6B4E-8AB2-3573C759DA5D}" dt="2022-01-18T17:32:09.151" v="3265" actId="2696"/>
         <pc:sldMkLst>
           <pc:docMk/>
           <pc:sldMk cId="4114538063" sldId="619"/>
@@ -2775,8 +2776,8 @@
           </ac:picMkLst>
         </pc:picChg>
       </pc:sldChg>
-      <pc:sldChg chg="addSp delSp modSp add mod">
-        <pc:chgData name="Long Nguyen" userId="f59fb8f3-a021-417a-8bc1-65c8d471c621" providerId="ADAL" clId="{7BE5F885-73E4-6B4E-8AB2-3573C759DA5D}" dt="2022-01-15T16:09:41.324" v="2808" actId="478"/>
+      <pc:sldChg chg="addSp delSp modSp add mod modAnim">
+        <pc:chgData name="Long Nguyen" userId="f59fb8f3-a021-417a-8bc1-65c8d471c621" providerId="ADAL" clId="{7BE5F885-73E4-6B4E-8AB2-3573C759DA5D}" dt="2022-01-18T13:55:27.726" v="3172"/>
         <pc:sldMkLst>
           <pc:docMk/>
           <pc:sldMk cId="90518742" sldId="620"/>
@@ -2798,7 +2799,7 @@
           </ac:spMkLst>
         </pc:spChg>
         <pc:spChg chg="mod">
-          <ac:chgData name="Long Nguyen" userId="f59fb8f3-a021-417a-8bc1-65c8d471c621" providerId="ADAL" clId="{7BE5F885-73E4-6B4E-8AB2-3573C759DA5D}" dt="2022-01-15T16:03:10.772" v="2795" actId="113"/>
+          <ac:chgData name="Long Nguyen" userId="f59fb8f3-a021-417a-8bc1-65c8d471c621" providerId="ADAL" clId="{7BE5F885-73E4-6B4E-8AB2-3573C759DA5D}" dt="2022-01-18T13:53:32.866" v="3148" actId="207"/>
           <ac:spMkLst>
             <pc:docMk/>
             <pc:sldMk cId="90518742" sldId="620"/>
@@ -2987,7 +2988,7 @@
         </pc:sldMkLst>
       </pc:sldChg>
       <pc:sldChg chg="addSp modSp add mod modAnim">
-        <pc:chgData name="Long Nguyen" userId="f59fb8f3-a021-417a-8bc1-65c8d471c621" providerId="ADAL" clId="{7BE5F885-73E4-6B4E-8AB2-3573C759DA5D}" dt="2022-01-15T16:10:10.679" v="2813"/>
+        <pc:chgData name="Long Nguyen" userId="f59fb8f3-a021-417a-8bc1-65c8d471c621" providerId="ADAL" clId="{7BE5F885-73E4-6B4E-8AB2-3573C759DA5D}" dt="2022-01-18T17:33:33.954" v="3275"/>
         <pc:sldMkLst>
           <pc:docMk/>
           <pc:sldMk cId="3784832097" sldId="622"/>
@@ -3009,7 +3010,7 @@
           </ac:spMkLst>
         </pc:spChg>
         <pc:spChg chg="mod">
-          <ac:chgData name="Long Nguyen" userId="f59fb8f3-a021-417a-8bc1-65c8d471c621" providerId="ADAL" clId="{7BE5F885-73E4-6B4E-8AB2-3573C759DA5D}" dt="2022-01-15T15:53:06.124" v="2497" actId="1035"/>
+          <ac:chgData name="Long Nguyen" userId="f59fb8f3-a021-417a-8bc1-65c8d471c621" providerId="ADAL" clId="{7BE5F885-73E4-6B4E-8AB2-3573C759DA5D}" dt="2022-01-18T13:54:01.285" v="3159" actId="207"/>
           <ac:spMkLst>
             <pc:docMk/>
             <pc:sldMk cId="3784832097" sldId="622"/>
@@ -3143,8 +3144,8 @@
           </ac:cxnSpMkLst>
         </pc:cxnChg>
       </pc:sldChg>
-      <pc:sldChg chg="addSp delSp modSp add mod">
-        <pc:chgData name="Long Nguyen" userId="f59fb8f3-a021-417a-8bc1-65c8d471c621" providerId="ADAL" clId="{7BE5F885-73E4-6B4E-8AB2-3573C759DA5D}" dt="2022-01-18T01:28:55.425" v="2884" actId="1076"/>
+      <pc:sldChg chg="addSp delSp modSp add mod modAnim">
+        <pc:chgData name="Long Nguyen" userId="f59fb8f3-a021-417a-8bc1-65c8d471c621" providerId="ADAL" clId="{7BE5F885-73E4-6B4E-8AB2-3573C759DA5D}" dt="2022-01-18T17:32:45.918" v="3269"/>
         <pc:sldMkLst>
           <pc:docMk/>
           <pc:sldMk cId="2113750020" sldId="624"/>
@@ -3158,7 +3159,7 @@
           </ac:spMkLst>
         </pc:spChg>
         <pc:spChg chg="mod">
-          <ac:chgData name="Long Nguyen" userId="f59fb8f3-a021-417a-8bc1-65c8d471c621" providerId="ADAL" clId="{7BE5F885-73E4-6B4E-8AB2-3573C759DA5D}" dt="2022-01-18T01:28:49.661" v="2881" actId="14100"/>
+          <ac:chgData name="Long Nguyen" userId="f59fb8f3-a021-417a-8bc1-65c8d471c621" providerId="ADAL" clId="{7BE5F885-73E4-6B4E-8AB2-3573C759DA5D}" dt="2022-01-18T13:53:00.860" v="3147" actId="20577"/>
           <ac:spMkLst>
             <pc:docMk/>
             <pc:sldMk cId="2113750020" sldId="624"/>
@@ -3181,8 +3182,8 @@
             <ac:picMk id="3" creationId="{1D0D11DE-925C-1540-9DB8-890495C06A9F}"/>
           </ac:picMkLst>
         </pc:picChg>
-        <pc:picChg chg="add mod">
-          <ac:chgData name="Long Nguyen" userId="f59fb8f3-a021-417a-8bc1-65c8d471c621" providerId="ADAL" clId="{7BE5F885-73E4-6B4E-8AB2-3573C759DA5D}" dt="2022-01-18T01:28:55.425" v="2884" actId="1076"/>
+        <pc:picChg chg="add del mod">
+          <ac:chgData name="Long Nguyen" userId="f59fb8f3-a021-417a-8bc1-65c8d471c621" providerId="ADAL" clId="{7BE5F885-73E4-6B4E-8AB2-3573C759DA5D}" dt="2022-01-18T13:44:25.435" v="2886" actId="478"/>
           <ac:picMkLst>
             <pc:docMk/>
             <pc:sldMk cId="2113750020" sldId="624"/>
@@ -3197,6 +3198,22 @@
             <ac:picMk id="5" creationId="{A5862CA8-EEB2-734A-9572-5D4DD6704596}"/>
           </ac:picMkLst>
         </pc:picChg>
+        <pc:picChg chg="add mod">
+          <ac:chgData name="Long Nguyen" userId="f59fb8f3-a021-417a-8bc1-65c8d471c621" providerId="ADAL" clId="{7BE5F885-73E4-6B4E-8AB2-3573C759DA5D}" dt="2022-01-18T13:44:33.389" v="2890" actId="1076"/>
+          <ac:picMkLst>
+            <pc:docMk/>
+            <pc:sldMk cId="2113750020" sldId="624"/>
+            <ac:picMk id="6" creationId="{993C5967-8F59-A04D-A9C7-C8FB49DD50E7}"/>
+          </ac:picMkLst>
+        </pc:picChg>
+        <pc:cxnChg chg="add mod">
+          <ac:chgData name="Long Nguyen" userId="f59fb8f3-a021-417a-8bc1-65c8d471c621" providerId="ADAL" clId="{7BE5F885-73E4-6B4E-8AB2-3573C759DA5D}" dt="2022-01-18T13:44:46.671" v="2893" actId="14100"/>
+          <ac:cxnSpMkLst>
+            <pc:docMk/>
+            <pc:sldMk cId="2113750020" sldId="624"/>
+            <ac:cxnSpMk id="9" creationId="{29116AF4-2B35-9B46-824C-02CFDC25FFD0}"/>
+          </ac:cxnSpMkLst>
+        </pc:cxnChg>
       </pc:sldChg>
       <pc:sldChg chg="del">
         <pc:chgData name="Long Nguyen" userId="f59fb8f3-a021-417a-8bc1-65c8d471c621" providerId="ADAL" clId="{7BE5F885-73E4-6B4E-8AB2-3573C759DA5D}" dt="2022-01-15T00:21:07.544" v="38" actId="2696"/>
@@ -3205,12 +3222,104 @@
           <pc:sldMk cId="3330740156" sldId="624"/>
         </pc:sldMkLst>
       </pc:sldChg>
+      <pc:sldChg chg="modSp add mod modAnim">
+        <pc:chgData name="Long Nguyen" userId="f59fb8f3-a021-417a-8bc1-65c8d471c621" providerId="ADAL" clId="{7BE5F885-73E4-6B4E-8AB2-3573C759DA5D}" dt="2022-01-18T17:31:57.854" v="3264"/>
+        <pc:sldMkLst>
+          <pc:docMk/>
+          <pc:sldMk cId="1023724168" sldId="625"/>
+        </pc:sldMkLst>
+        <pc:spChg chg="mod">
+          <ac:chgData name="Long Nguyen" userId="f59fb8f3-a021-417a-8bc1-65c8d471c621" providerId="ADAL" clId="{7BE5F885-73E4-6B4E-8AB2-3573C759DA5D}" dt="2022-01-18T13:45:03.779" v="2895" actId="20577"/>
+          <ac:spMkLst>
+            <pc:docMk/>
+            <pc:sldMk cId="1023724168" sldId="625"/>
+            <ac:spMk id="16386" creationId="{AC84324A-3724-874B-82A1-71A36E0BBD8D}"/>
+          </ac:spMkLst>
+        </pc:spChg>
+        <pc:picChg chg="mod">
+          <ac:chgData name="Long Nguyen" userId="f59fb8f3-a021-417a-8bc1-65c8d471c621" providerId="ADAL" clId="{7BE5F885-73E4-6B4E-8AB2-3573C759DA5D}" dt="2022-01-18T13:45:12.354" v="2898" actId="1076"/>
+          <ac:picMkLst>
+            <pc:docMk/>
+            <pc:sldMk cId="1023724168" sldId="625"/>
+            <ac:picMk id="4" creationId="{FFB38162-702C-AE4E-871F-B4FACF0A3420}"/>
+          </ac:picMkLst>
+        </pc:picChg>
+      </pc:sldChg>
       <pc:sldChg chg="del">
         <pc:chgData name="Long Nguyen" userId="f59fb8f3-a021-417a-8bc1-65c8d471c621" providerId="ADAL" clId="{7BE5F885-73E4-6B4E-8AB2-3573C759DA5D}" dt="2022-01-15T00:21:07.544" v="38" actId="2696"/>
         <pc:sldMkLst>
           <pc:docMk/>
           <pc:sldMk cId="2080393952" sldId="625"/>
         </pc:sldMkLst>
+      </pc:sldChg>
+      <pc:sldChg chg="add del">
+        <pc:chgData name="Long Nguyen" userId="f59fb8f3-a021-417a-8bc1-65c8d471c621" providerId="ADAL" clId="{7BE5F885-73E4-6B4E-8AB2-3573C759DA5D}" dt="2022-01-18T13:50:30.315" v="2919" actId="2696"/>
+        <pc:sldMkLst>
+          <pc:docMk/>
+          <pc:sldMk cId="2170520001" sldId="626"/>
+        </pc:sldMkLst>
+      </pc:sldChg>
+      <pc:sldChg chg="addSp delSp modSp add mod modAnim">
+        <pc:chgData name="Long Nguyen" userId="f59fb8f3-a021-417a-8bc1-65c8d471c621" providerId="ADAL" clId="{7BE5F885-73E4-6B4E-8AB2-3573C759DA5D}" dt="2022-01-18T17:31:41.971" v="3260"/>
+        <pc:sldMkLst>
+          <pc:docMk/>
+          <pc:sldMk cId="3264916986" sldId="626"/>
+        </pc:sldMkLst>
+        <pc:spChg chg="mod">
+          <ac:chgData name="Long Nguyen" userId="f59fb8f3-a021-417a-8bc1-65c8d471c621" providerId="ADAL" clId="{7BE5F885-73E4-6B4E-8AB2-3573C759DA5D}" dt="2022-01-18T13:52:33.538" v="3140" actId="20577"/>
+          <ac:spMkLst>
+            <pc:docMk/>
+            <pc:sldMk cId="3264916986" sldId="626"/>
+            <ac:spMk id="16386" creationId="{AC84324A-3724-874B-82A1-71A36E0BBD8D}"/>
+          </ac:spMkLst>
+        </pc:spChg>
+        <pc:picChg chg="add mod">
+          <ac:chgData name="Long Nguyen" userId="f59fb8f3-a021-417a-8bc1-65c8d471c621" providerId="ADAL" clId="{7BE5F885-73E4-6B4E-8AB2-3573C759DA5D}" dt="2022-01-18T13:52:49.599" v="3144" actId="1076"/>
+          <ac:picMkLst>
+            <pc:docMk/>
+            <pc:sldMk cId="3264916986" sldId="626"/>
+            <ac:picMk id="2" creationId="{E8052850-707B-A843-AA60-A7F5986D42A2}"/>
+          </ac:picMkLst>
+        </pc:picChg>
+        <pc:picChg chg="del mod">
+          <ac:chgData name="Long Nguyen" userId="f59fb8f3-a021-417a-8bc1-65c8d471c621" providerId="ADAL" clId="{7BE5F885-73E4-6B4E-8AB2-3573C759DA5D}" dt="2022-01-18T13:51:15.587" v="3010" actId="478"/>
+          <ac:picMkLst>
+            <pc:docMk/>
+            <pc:sldMk cId="3264916986" sldId="626"/>
+            <ac:picMk id="6" creationId="{993C5967-8F59-A04D-A9C7-C8FB49DD50E7}"/>
+          </ac:picMkLst>
+        </pc:picChg>
+        <pc:cxnChg chg="mod">
+          <ac:chgData name="Long Nguyen" userId="f59fb8f3-a021-417a-8bc1-65c8d471c621" providerId="ADAL" clId="{7BE5F885-73E4-6B4E-8AB2-3573C759DA5D}" dt="2022-01-18T13:52:52.805" v="3145" actId="14100"/>
+          <ac:cxnSpMkLst>
+            <pc:docMk/>
+            <pc:sldMk cId="3264916986" sldId="626"/>
+            <ac:cxnSpMk id="9" creationId="{29116AF4-2B35-9B46-824C-02CFDC25FFD0}"/>
+          </ac:cxnSpMkLst>
+        </pc:cxnChg>
+      </pc:sldChg>
+      <pc:sldChg chg="modSp add del mod">
+        <pc:chgData name="Long Nguyen" userId="f59fb8f3-a021-417a-8bc1-65c8d471c621" providerId="ADAL" clId="{7BE5F885-73E4-6B4E-8AB2-3573C759DA5D}" dt="2022-01-18T13:47:25.812" v="2917" actId="2696"/>
+        <pc:sldMkLst>
+          <pc:docMk/>
+          <pc:sldMk cId="3810658015" sldId="626"/>
+        </pc:sldMkLst>
+        <pc:spChg chg="mod">
+          <ac:chgData name="Long Nguyen" userId="f59fb8f3-a021-417a-8bc1-65c8d471c621" providerId="ADAL" clId="{7BE5F885-73E4-6B4E-8AB2-3573C759DA5D}" dt="2022-01-18T13:45:40.211" v="2905" actId="20577"/>
+          <ac:spMkLst>
+            <pc:docMk/>
+            <pc:sldMk cId="3810658015" sldId="626"/>
+            <ac:spMk id="16385" creationId="{8FAE8CA6-5EB1-544B-9637-4627ADA36986}"/>
+          </ac:spMkLst>
+        </pc:spChg>
+        <pc:spChg chg="mod">
+          <ac:chgData name="Long Nguyen" userId="f59fb8f3-a021-417a-8bc1-65c8d471c621" providerId="ADAL" clId="{7BE5F885-73E4-6B4E-8AB2-3573C759DA5D}" dt="2022-01-18T13:45:45.844" v="2916" actId="20577"/>
+          <ac:spMkLst>
+            <pc:docMk/>
+            <pc:sldMk cId="3810658015" sldId="626"/>
+            <ac:spMk id="16386" creationId="{AC84324A-3724-874B-82A1-71A36E0BBD8D}"/>
+          </ac:spMkLst>
+        </pc:spChg>
       </pc:sldChg>
     </pc:docChg>
   </pc:docChgLst>
@@ -5486,7 +5595,7 @@
           <a:p>
             <a:fld id="{6EDD99D2-A624-5E4F-A4E3-584054837B5A}" type="datetimeFigureOut">
               <a:rPr lang="en-US" smtClean="0"/>
-              <a:t>1/14/22</a:t>
+              <a:t>1/18/22</a:t>
             </a:fld>
             <a:endParaRPr lang="en-US"/>
           </a:p>
@@ -6319,6 +6428,582 @@
     </p:spTree>
     <p:extLst>
       <p:ext uri="{BB962C8B-B14F-4D97-AF65-F5344CB8AC3E}">
+        <p14:creationId xmlns:p14="http://schemas.microsoft.com/office/powerpoint/2010/main" val="3657164722"/>
+      </p:ext>
+    </p:extLst>
+  </p:cSld>
+  <p:clrMapOvr>
+    <a:masterClrMapping/>
+  </p:clrMapOvr>
+</p:notes>
+</file>
+
+<file path=ppt/notesSlides/notesSlide11.xml><?xml version="1.0" encoding="utf-8"?>
+<p:notes xmlns:a="http://schemas.openxmlformats.org/drawingml/2006/main" xmlns:r="http://schemas.openxmlformats.org/officeDocument/2006/relationships" xmlns:p="http://schemas.openxmlformats.org/presentationml/2006/main">
+  <p:cSld>
+    <p:spTree>
+      <p:nvGrpSpPr>
+        <p:cNvPr id="1" name=""/>
+        <p:cNvGrpSpPr/>
+        <p:nvPr/>
+      </p:nvGrpSpPr>
+      <p:grpSpPr>
+        <a:xfrm>
+          <a:off x="0" y="0"/>
+          <a:ext cx="0" cy="0"/>
+          <a:chOff x="0" y="0"/>
+          <a:chExt cx="0" cy="0"/>
+        </a:xfrm>
+      </p:grpSpPr>
+      <p:sp>
+        <p:nvSpPr>
+          <p:cNvPr id="17409" name="Rectangle 7">
+            <a:extLst>
+              <a:ext uri="{FF2B5EF4-FFF2-40B4-BE49-F238E27FC236}">
+                <a16:creationId xmlns:a16="http://schemas.microsoft.com/office/drawing/2014/main" id="{B48EF9D5-F9A0-3643-A8E7-2810EB1AA92B}"/>
+              </a:ext>
+            </a:extLst>
+          </p:cNvPr>
+          <p:cNvSpPr>
+            <a:spLocks noGrp="1" noChangeArrowheads="1"/>
+          </p:cNvSpPr>
+          <p:nvPr>
+            <p:ph type="sldNum" sz="quarter" idx="5"/>
+          </p:nvPr>
+        </p:nvSpPr>
+        <p:spPr bwMode="auto">
+          <a:noFill/>
+          <a:extLst>
+            <a:ext uri="{909E8E84-426E-40DD-AFC4-6F175D3DCCD1}">
+              <a14:hiddenFill xmlns:a14="http://schemas.microsoft.com/office/drawing/2010/main">
+                <a:solidFill>
+                  <a:srgbClr val="FFFFFF"/>
+                </a:solidFill>
+              </a14:hiddenFill>
+            </a:ext>
+            <a:ext uri="{91240B29-F687-4F45-9708-019B960494DF}">
+              <a14:hiddenLine xmlns:a14="http://schemas.microsoft.com/office/drawing/2010/main" w="9525">
+                <a:solidFill>
+                  <a:srgbClr val="000000"/>
+                </a:solidFill>
+                <a:miter lim="800000"/>
+                <a:headEnd/>
+                <a:tailEnd/>
+              </a14:hiddenLine>
+            </a:ext>
+          </a:extLst>
+        </p:spPr>
+        <p:txBody>
+          <a:bodyPr/>
+          <a:lstStyle>
+            <a:lvl1pPr>
+              <a:defRPr>
+                <a:solidFill>
+                  <a:schemeClr val="tx1"/>
+                </a:solidFill>
+                <a:latin typeface="Arial" panose="020B0604020202020204" pitchFamily="34" charset="0"/>
+                <a:ea typeface="ＭＳ Ｐゴシック" panose="020B0600070205080204" pitchFamily="34" charset="-128"/>
+              </a:defRPr>
+            </a:lvl1pPr>
+            <a:lvl2pPr marL="742950" indent="-285750">
+              <a:defRPr>
+                <a:solidFill>
+                  <a:schemeClr val="tx1"/>
+                </a:solidFill>
+                <a:latin typeface="Arial" panose="020B0604020202020204" pitchFamily="34" charset="0"/>
+                <a:ea typeface="ＭＳ Ｐゴシック" panose="020B0600070205080204" pitchFamily="34" charset="-128"/>
+              </a:defRPr>
+            </a:lvl2pPr>
+            <a:lvl3pPr marL="1143000" indent="-228600">
+              <a:defRPr>
+                <a:solidFill>
+                  <a:schemeClr val="tx1"/>
+                </a:solidFill>
+                <a:latin typeface="Arial" panose="020B0604020202020204" pitchFamily="34" charset="0"/>
+                <a:ea typeface="ＭＳ Ｐゴシック" panose="020B0600070205080204" pitchFamily="34" charset="-128"/>
+              </a:defRPr>
+            </a:lvl3pPr>
+            <a:lvl4pPr marL="1600200" indent="-228600">
+              <a:defRPr>
+                <a:solidFill>
+                  <a:schemeClr val="tx1"/>
+                </a:solidFill>
+                <a:latin typeface="Arial" panose="020B0604020202020204" pitchFamily="34" charset="0"/>
+                <a:ea typeface="ＭＳ Ｐゴシック" panose="020B0600070205080204" pitchFamily="34" charset="-128"/>
+              </a:defRPr>
+            </a:lvl4pPr>
+            <a:lvl5pPr marL="2057400" indent="-228600">
+              <a:defRPr>
+                <a:solidFill>
+                  <a:schemeClr val="tx1"/>
+                </a:solidFill>
+                <a:latin typeface="Arial" panose="020B0604020202020204" pitchFamily="34" charset="0"/>
+                <a:ea typeface="ＭＳ Ｐゴシック" panose="020B0600070205080204" pitchFamily="34" charset="-128"/>
+              </a:defRPr>
+            </a:lvl5pPr>
+            <a:lvl6pPr marL="2514600" indent="-228600" eaLnBrk="0" fontAlgn="base" hangingPunct="0">
+              <a:spcBef>
+                <a:spcPct val="0"/>
+              </a:spcBef>
+              <a:spcAft>
+                <a:spcPct val="0"/>
+              </a:spcAft>
+              <a:defRPr>
+                <a:solidFill>
+                  <a:schemeClr val="tx1"/>
+                </a:solidFill>
+                <a:latin typeface="Arial" panose="020B0604020202020204" pitchFamily="34" charset="0"/>
+                <a:ea typeface="ＭＳ Ｐゴシック" panose="020B0600070205080204" pitchFamily="34" charset="-128"/>
+              </a:defRPr>
+            </a:lvl6pPr>
+            <a:lvl7pPr marL="2971800" indent="-228600" eaLnBrk="0" fontAlgn="base" hangingPunct="0">
+              <a:spcBef>
+                <a:spcPct val="0"/>
+              </a:spcBef>
+              <a:spcAft>
+                <a:spcPct val="0"/>
+              </a:spcAft>
+              <a:defRPr>
+                <a:solidFill>
+                  <a:schemeClr val="tx1"/>
+                </a:solidFill>
+                <a:latin typeface="Arial" panose="020B0604020202020204" pitchFamily="34" charset="0"/>
+                <a:ea typeface="ＭＳ Ｐゴシック" panose="020B0600070205080204" pitchFamily="34" charset="-128"/>
+              </a:defRPr>
+            </a:lvl7pPr>
+            <a:lvl8pPr marL="3429000" indent="-228600" eaLnBrk="0" fontAlgn="base" hangingPunct="0">
+              <a:spcBef>
+                <a:spcPct val="0"/>
+              </a:spcBef>
+              <a:spcAft>
+                <a:spcPct val="0"/>
+              </a:spcAft>
+              <a:defRPr>
+                <a:solidFill>
+                  <a:schemeClr val="tx1"/>
+                </a:solidFill>
+                <a:latin typeface="Arial" panose="020B0604020202020204" pitchFamily="34" charset="0"/>
+                <a:ea typeface="ＭＳ Ｐゴシック" panose="020B0600070205080204" pitchFamily="34" charset="-128"/>
+              </a:defRPr>
+            </a:lvl8pPr>
+            <a:lvl9pPr marL="3886200" indent="-228600" eaLnBrk="0" fontAlgn="base" hangingPunct="0">
+              <a:spcBef>
+                <a:spcPct val="0"/>
+              </a:spcBef>
+              <a:spcAft>
+                <a:spcPct val="0"/>
+              </a:spcAft>
+              <a:defRPr>
+                <a:solidFill>
+                  <a:schemeClr val="tx1"/>
+                </a:solidFill>
+                <a:latin typeface="Arial" panose="020B0604020202020204" pitchFamily="34" charset="0"/>
+                <a:ea typeface="ＭＳ Ｐゴシック" panose="020B0600070205080204" pitchFamily="34" charset="-128"/>
+              </a:defRPr>
+            </a:lvl9pPr>
+          </a:lstStyle>
+          <a:p>
+            <a:fld id="{F1089EEE-4600-5E49-A706-35F0B266FFA5}" type="slidenum">
+              <a:rPr lang="en-US" altLang="en-US"/>
+              <a:pPr/>
+              <a:t>12</a:t>
+            </a:fld>
+            <a:endParaRPr lang="en-US" altLang="en-US"/>
+          </a:p>
+        </p:txBody>
+      </p:sp>
+      <p:sp>
+        <p:nvSpPr>
+          <p:cNvPr id="17410" name="Rectangle 2">
+            <a:extLst>
+              <a:ext uri="{FF2B5EF4-FFF2-40B4-BE49-F238E27FC236}">
+                <a16:creationId xmlns:a16="http://schemas.microsoft.com/office/drawing/2014/main" id="{585D3E8A-1D25-1E49-BEDB-A9A1596579AD}"/>
+              </a:ext>
+            </a:extLst>
+          </p:cNvPr>
+          <p:cNvSpPr>
+            <a:spLocks noGrp="1" noRot="1" noChangeAspect="1" noChangeArrowheads="1" noTextEdit="1"/>
+          </p:cNvSpPr>
+          <p:nvPr>
+            <p:ph type="sldImg"/>
+          </p:nvPr>
+        </p:nvSpPr>
+        <p:spPr bwMode="auto">
+          <a:xfrm>
+            <a:off x="687388" y="685800"/>
+            <a:ext cx="5486400" cy="3429000"/>
+          </a:xfrm>
+          <a:noFill/>
+          <a:ln>
+            <a:solidFill>
+              <a:srgbClr val="000000"/>
+            </a:solidFill>
+            <a:miter lim="800000"/>
+            <a:headEnd/>
+            <a:tailEnd/>
+          </a:ln>
+          <a:extLst>
+            <a:ext uri="{909E8E84-426E-40DD-AFC4-6F175D3DCCD1}">
+              <a14:hiddenFill xmlns:a14="http://schemas.microsoft.com/office/drawing/2010/main">
+                <a:solidFill>
+                  <a:srgbClr val="FFFFFF"/>
+                </a:solidFill>
+              </a14:hiddenFill>
+            </a:ext>
+          </a:extLst>
+        </p:spPr>
+      </p:sp>
+      <p:sp>
+        <p:nvSpPr>
+          <p:cNvPr id="17411" name="Rectangle 3">
+            <a:extLst>
+              <a:ext uri="{FF2B5EF4-FFF2-40B4-BE49-F238E27FC236}">
+                <a16:creationId xmlns:a16="http://schemas.microsoft.com/office/drawing/2014/main" id="{70E3F267-759A-8346-A80D-6EC2F3F2309A}"/>
+              </a:ext>
+            </a:extLst>
+          </p:cNvPr>
+          <p:cNvSpPr>
+            <a:spLocks noGrp="1" noChangeArrowheads="1"/>
+          </p:cNvSpPr>
+          <p:nvPr>
+            <p:ph type="body" idx="1"/>
+          </p:nvPr>
+        </p:nvSpPr>
+        <p:spPr bwMode="auto">
+          <a:xfrm>
+            <a:off x="914400" y="4343400"/>
+            <a:ext cx="5029200" cy="4114800"/>
+          </a:xfrm>
+          <a:noFill/>
+          <a:extLst>
+            <a:ext uri="{909E8E84-426E-40DD-AFC4-6F175D3DCCD1}">
+              <a14:hiddenFill xmlns:a14="http://schemas.microsoft.com/office/drawing/2010/main">
+                <a:solidFill>
+                  <a:srgbClr val="FFFFFF"/>
+                </a:solidFill>
+              </a14:hiddenFill>
+            </a:ext>
+            <a:ext uri="{91240B29-F687-4F45-9708-019B960494DF}">
+              <a14:hiddenLine xmlns:a14="http://schemas.microsoft.com/office/drawing/2010/main" w="9525">
+                <a:solidFill>
+                  <a:srgbClr val="000000"/>
+                </a:solidFill>
+                <a:miter lim="800000"/>
+                <a:headEnd/>
+                <a:tailEnd/>
+              </a14:hiddenLine>
+            </a:ext>
+          </a:extLst>
+        </p:spPr>
+        <p:txBody>
+          <a:bodyPr wrap="square" numCol="1" anchor="t" anchorCtr="0" compatLnSpc="1">
+            <a:prstTxWarp prst="textNoShape">
+              <a:avLst/>
+            </a:prstTxWarp>
+          </a:bodyPr>
+          <a:lstStyle/>
+          <a:p>
+            <a:pPr eaLnBrk="1" hangingPunct="1"/>
+            <a:r>
+              <a:rPr lang="en-US" altLang="en-US">
+                <a:ea typeface="ＭＳ Ｐゴシック" panose="020B0600070205080204" pitchFamily="34" charset="-128"/>
+              </a:rPr>
+              <a:t>Crash Course: Cybersecurity</a:t>
+            </a:r>
+          </a:p>
+        </p:txBody>
+      </p:sp>
+    </p:spTree>
+    <p:extLst>
+      <p:ext uri="{BB962C8B-B14F-4D97-AF65-F5344CB8AC3E}">
+        <p14:creationId xmlns:p14="http://schemas.microsoft.com/office/powerpoint/2010/main" val="1419589125"/>
+      </p:ext>
+    </p:extLst>
+  </p:cSld>
+  <p:clrMapOvr>
+    <a:masterClrMapping/>
+  </p:clrMapOvr>
+</p:notes>
+</file>
+
+<file path=ppt/notesSlides/notesSlide12.xml><?xml version="1.0" encoding="utf-8"?>
+<p:notes xmlns:a="http://schemas.openxmlformats.org/drawingml/2006/main" xmlns:r="http://schemas.openxmlformats.org/officeDocument/2006/relationships" xmlns:p="http://schemas.openxmlformats.org/presentationml/2006/main">
+  <p:cSld>
+    <p:spTree>
+      <p:nvGrpSpPr>
+        <p:cNvPr id="1" name=""/>
+        <p:cNvGrpSpPr/>
+        <p:nvPr/>
+      </p:nvGrpSpPr>
+      <p:grpSpPr>
+        <a:xfrm>
+          <a:off x="0" y="0"/>
+          <a:ext cx="0" cy="0"/>
+          <a:chOff x="0" y="0"/>
+          <a:chExt cx="0" cy="0"/>
+        </a:xfrm>
+      </p:grpSpPr>
+      <p:sp>
+        <p:nvSpPr>
+          <p:cNvPr id="17409" name="Rectangle 7">
+            <a:extLst>
+              <a:ext uri="{FF2B5EF4-FFF2-40B4-BE49-F238E27FC236}">
+                <a16:creationId xmlns:a16="http://schemas.microsoft.com/office/drawing/2014/main" id="{B48EF9D5-F9A0-3643-A8E7-2810EB1AA92B}"/>
+              </a:ext>
+            </a:extLst>
+          </p:cNvPr>
+          <p:cNvSpPr>
+            <a:spLocks noGrp="1" noChangeArrowheads="1"/>
+          </p:cNvSpPr>
+          <p:nvPr>
+            <p:ph type="sldNum" sz="quarter" idx="5"/>
+          </p:nvPr>
+        </p:nvSpPr>
+        <p:spPr bwMode="auto">
+          <a:noFill/>
+          <a:extLst>
+            <a:ext uri="{909E8E84-426E-40DD-AFC4-6F175D3DCCD1}">
+              <a14:hiddenFill xmlns:a14="http://schemas.microsoft.com/office/drawing/2010/main">
+                <a:solidFill>
+                  <a:srgbClr val="FFFFFF"/>
+                </a:solidFill>
+              </a14:hiddenFill>
+            </a:ext>
+            <a:ext uri="{91240B29-F687-4F45-9708-019B960494DF}">
+              <a14:hiddenLine xmlns:a14="http://schemas.microsoft.com/office/drawing/2010/main" w="9525">
+                <a:solidFill>
+                  <a:srgbClr val="000000"/>
+                </a:solidFill>
+                <a:miter lim="800000"/>
+                <a:headEnd/>
+                <a:tailEnd/>
+              </a14:hiddenLine>
+            </a:ext>
+          </a:extLst>
+        </p:spPr>
+        <p:txBody>
+          <a:bodyPr/>
+          <a:lstStyle>
+            <a:lvl1pPr>
+              <a:defRPr>
+                <a:solidFill>
+                  <a:schemeClr val="tx1"/>
+                </a:solidFill>
+                <a:latin typeface="Arial" panose="020B0604020202020204" pitchFamily="34" charset="0"/>
+                <a:ea typeface="ＭＳ Ｐゴシック" panose="020B0600070205080204" pitchFamily="34" charset="-128"/>
+              </a:defRPr>
+            </a:lvl1pPr>
+            <a:lvl2pPr marL="742950" indent="-285750">
+              <a:defRPr>
+                <a:solidFill>
+                  <a:schemeClr val="tx1"/>
+                </a:solidFill>
+                <a:latin typeface="Arial" panose="020B0604020202020204" pitchFamily="34" charset="0"/>
+                <a:ea typeface="ＭＳ Ｐゴシック" panose="020B0600070205080204" pitchFamily="34" charset="-128"/>
+              </a:defRPr>
+            </a:lvl2pPr>
+            <a:lvl3pPr marL="1143000" indent="-228600">
+              <a:defRPr>
+                <a:solidFill>
+                  <a:schemeClr val="tx1"/>
+                </a:solidFill>
+                <a:latin typeface="Arial" panose="020B0604020202020204" pitchFamily="34" charset="0"/>
+                <a:ea typeface="ＭＳ Ｐゴシック" panose="020B0600070205080204" pitchFamily="34" charset="-128"/>
+              </a:defRPr>
+            </a:lvl3pPr>
+            <a:lvl4pPr marL="1600200" indent="-228600">
+              <a:defRPr>
+                <a:solidFill>
+                  <a:schemeClr val="tx1"/>
+                </a:solidFill>
+                <a:latin typeface="Arial" panose="020B0604020202020204" pitchFamily="34" charset="0"/>
+                <a:ea typeface="ＭＳ Ｐゴシック" panose="020B0600070205080204" pitchFamily="34" charset="-128"/>
+              </a:defRPr>
+            </a:lvl4pPr>
+            <a:lvl5pPr marL="2057400" indent="-228600">
+              <a:defRPr>
+                <a:solidFill>
+                  <a:schemeClr val="tx1"/>
+                </a:solidFill>
+                <a:latin typeface="Arial" panose="020B0604020202020204" pitchFamily="34" charset="0"/>
+                <a:ea typeface="ＭＳ Ｐゴシック" panose="020B0600070205080204" pitchFamily="34" charset="-128"/>
+              </a:defRPr>
+            </a:lvl5pPr>
+            <a:lvl6pPr marL="2514600" indent="-228600" eaLnBrk="0" fontAlgn="base" hangingPunct="0">
+              <a:spcBef>
+                <a:spcPct val="0"/>
+              </a:spcBef>
+              <a:spcAft>
+                <a:spcPct val="0"/>
+              </a:spcAft>
+              <a:defRPr>
+                <a:solidFill>
+                  <a:schemeClr val="tx1"/>
+                </a:solidFill>
+                <a:latin typeface="Arial" panose="020B0604020202020204" pitchFamily="34" charset="0"/>
+                <a:ea typeface="ＭＳ Ｐゴシック" panose="020B0600070205080204" pitchFamily="34" charset="-128"/>
+              </a:defRPr>
+            </a:lvl6pPr>
+            <a:lvl7pPr marL="2971800" indent="-228600" eaLnBrk="0" fontAlgn="base" hangingPunct="0">
+              <a:spcBef>
+                <a:spcPct val="0"/>
+              </a:spcBef>
+              <a:spcAft>
+                <a:spcPct val="0"/>
+              </a:spcAft>
+              <a:defRPr>
+                <a:solidFill>
+                  <a:schemeClr val="tx1"/>
+                </a:solidFill>
+                <a:latin typeface="Arial" panose="020B0604020202020204" pitchFamily="34" charset="0"/>
+                <a:ea typeface="ＭＳ Ｐゴシック" panose="020B0600070205080204" pitchFamily="34" charset="-128"/>
+              </a:defRPr>
+            </a:lvl7pPr>
+            <a:lvl8pPr marL="3429000" indent="-228600" eaLnBrk="0" fontAlgn="base" hangingPunct="0">
+              <a:spcBef>
+                <a:spcPct val="0"/>
+              </a:spcBef>
+              <a:spcAft>
+                <a:spcPct val="0"/>
+              </a:spcAft>
+              <a:defRPr>
+                <a:solidFill>
+                  <a:schemeClr val="tx1"/>
+                </a:solidFill>
+                <a:latin typeface="Arial" panose="020B0604020202020204" pitchFamily="34" charset="0"/>
+                <a:ea typeface="ＭＳ Ｐゴシック" panose="020B0600070205080204" pitchFamily="34" charset="-128"/>
+              </a:defRPr>
+            </a:lvl8pPr>
+            <a:lvl9pPr marL="3886200" indent="-228600" eaLnBrk="0" fontAlgn="base" hangingPunct="0">
+              <a:spcBef>
+                <a:spcPct val="0"/>
+              </a:spcBef>
+              <a:spcAft>
+                <a:spcPct val="0"/>
+              </a:spcAft>
+              <a:defRPr>
+                <a:solidFill>
+                  <a:schemeClr val="tx1"/>
+                </a:solidFill>
+                <a:latin typeface="Arial" panose="020B0604020202020204" pitchFamily="34" charset="0"/>
+                <a:ea typeface="ＭＳ Ｐゴシック" panose="020B0600070205080204" pitchFamily="34" charset="-128"/>
+              </a:defRPr>
+            </a:lvl9pPr>
+          </a:lstStyle>
+          <a:p>
+            <a:fld id="{F1089EEE-4600-5E49-A706-35F0B266FFA5}" type="slidenum">
+              <a:rPr lang="en-US" altLang="en-US"/>
+              <a:pPr/>
+              <a:t>13</a:t>
+            </a:fld>
+            <a:endParaRPr lang="en-US" altLang="en-US"/>
+          </a:p>
+        </p:txBody>
+      </p:sp>
+      <p:sp>
+        <p:nvSpPr>
+          <p:cNvPr id="17410" name="Rectangle 2">
+            <a:extLst>
+              <a:ext uri="{FF2B5EF4-FFF2-40B4-BE49-F238E27FC236}">
+                <a16:creationId xmlns:a16="http://schemas.microsoft.com/office/drawing/2014/main" id="{585D3E8A-1D25-1E49-BEDB-A9A1596579AD}"/>
+              </a:ext>
+            </a:extLst>
+          </p:cNvPr>
+          <p:cNvSpPr>
+            <a:spLocks noGrp="1" noRot="1" noChangeAspect="1" noChangeArrowheads="1" noTextEdit="1"/>
+          </p:cNvSpPr>
+          <p:nvPr>
+            <p:ph type="sldImg"/>
+          </p:nvPr>
+        </p:nvSpPr>
+        <p:spPr bwMode="auto">
+          <a:xfrm>
+            <a:off x="687388" y="685800"/>
+            <a:ext cx="5486400" cy="3429000"/>
+          </a:xfrm>
+          <a:noFill/>
+          <a:ln>
+            <a:solidFill>
+              <a:srgbClr val="000000"/>
+            </a:solidFill>
+            <a:miter lim="800000"/>
+            <a:headEnd/>
+            <a:tailEnd/>
+          </a:ln>
+          <a:extLst>
+            <a:ext uri="{909E8E84-426E-40DD-AFC4-6F175D3DCCD1}">
+              <a14:hiddenFill xmlns:a14="http://schemas.microsoft.com/office/drawing/2010/main">
+                <a:solidFill>
+                  <a:srgbClr val="FFFFFF"/>
+                </a:solidFill>
+              </a14:hiddenFill>
+            </a:ext>
+          </a:extLst>
+        </p:spPr>
+      </p:sp>
+      <p:sp>
+        <p:nvSpPr>
+          <p:cNvPr id="17411" name="Rectangle 3">
+            <a:extLst>
+              <a:ext uri="{FF2B5EF4-FFF2-40B4-BE49-F238E27FC236}">
+                <a16:creationId xmlns:a16="http://schemas.microsoft.com/office/drawing/2014/main" id="{70E3F267-759A-8346-A80D-6EC2F3F2309A}"/>
+              </a:ext>
+            </a:extLst>
+          </p:cNvPr>
+          <p:cNvSpPr>
+            <a:spLocks noGrp="1" noChangeArrowheads="1"/>
+          </p:cNvSpPr>
+          <p:nvPr>
+            <p:ph type="body" idx="1"/>
+          </p:nvPr>
+        </p:nvSpPr>
+        <p:spPr bwMode="auto">
+          <a:xfrm>
+            <a:off x="914400" y="4343400"/>
+            <a:ext cx="5029200" cy="4114800"/>
+          </a:xfrm>
+          <a:noFill/>
+          <a:extLst>
+            <a:ext uri="{909E8E84-426E-40DD-AFC4-6F175D3DCCD1}">
+              <a14:hiddenFill xmlns:a14="http://schemas.microsoft.com/office/drawing/2010/main">
+                <a:solidFill>
+                  <a:srgbClr val="FFFFFF"/>
+                </a:solidFill>
+              </a14:hiddenFill>
+            </a:ext>
+            <a:ext uri="{91240B29-F687-4F45-9708-019B960494DF}">
+              <a14:hiddenLine xmlns:a14="http://schemas.microsoft.com/office/drawing/2010/main" w="9525">
+                <a:solidFill>
+                  <a:srgbClr val="000000"/>
+                </a:solidFill>
+                <a:miter lim="800000"/>
+                <a:headEnd/>
+                <a:tailEnd/>
+              </a14:hiddenLine>
+            </a:ext>
+          </a:extLst>
+        </p:spPr>
+        <p:txBody>
+          <a:bodyPr wrap="square" numCol="1" anchor="t" anchorCtr="0" compatLnSpc="1">
+            <a:prstTxWarp prst="textNoShape">
+              <a:avLst/>
+            </a:prstTxWarp>
+          </a:bodyPr>
+          <a:lstStyle/>
+          <a:p>
+            <a:pPr eaLnBrk="1" hangingPunct="1"/>
+            <a:r>
+              <a:rPr lang="en-US" altLang="en-US">
+                <a:ea typeface="ＭＳ Ｐゴシック" panose="020B0600070205080204" pitchFamily="34" charset="-128"/>
+              </a:rPr>
+              <a:t>Crash Course: Cybersecurity</a:t>
+            </a:r>
+          </a:p>
+        </p:txBody>
+      </p:sp>
+    </p:spTree>
+    <p:extLst>
+      <p:ext uri="{BB962C8B-B14F-4D97-AF65-F5344CB8AC3E}">
         <p14:creationId xmlns:p14="http://schemas.microsoft.com/office/powerpoint/2010/main" val="1717016501"/>
       </p:ext>
     </p:extLst>
@@ -8335,7 +9020,7 @@
     </p:spTree>
     <p:extLst>
       <p:ext uri="{BB962C8B-B14F-4D97-AF65-F5344CB8AC3E}">
-        <p14:creationId xmlns:p14="http://schemas.microsoft.com/office/powerpoint/2010/main" val="774092953"/>
+        <p14:creationId xmlns:p14="http://schemas.microsoft.com/office/powerpoint/2010/main" val="1269969557"/>
       </p:ext>
     </p:extLst>
   </p:cSld>
@@ -8623,7 +9308,7 @@
     </p:spTree>
     <p:extLst>
       <p:ext uri="{BB962C8B-B14F-4D97-AF65-F5344CB8AC3E}">
-        <p14:creationId xmlns:p14="http://schemas.microsoft.com/office/powerpoint/2010/main" val="1419589125"/>
+        <p14:creationId xmlns:p14="http://schemas.microsoft.com/office/powerpoint/2010/main" val="774092953"/>
       </p:ext>
     </p:extLst>
   </p:cSld>
@@ -8764,7 +9449,7 @@
           <a:p>
             <a:fld id="{4AAD347D-5ACD-4C99-B74B-A9C85AD731AF}" type="datetimeFigureOut">
               <a:rPr lang="en-US" smtClean="0"/>
-              <a:t>1/14/22</a:t>
+              <a:t>1/18/22</a:t>
             </a:fld>
             <a:endParaRPr lang="en-US" dirty="0"/>
           </a:p>
@@ -8934,7 +9619,7 @@
           <a:p>
             <a:fld id="{4509A250-FF31-4206-8172-F9D3106AACB1}" type="datetimeFigureOut">
               <a:rPr lang="en-US" smtClean="0"/>
-              <a:t>1/14/22</a:t>
+              <a:t>1/18/22</a:t>
             </a:fld>
             <a:endParaRPr lang="en-US" dirty="0"/>
           </a:p>
@@ -9114,7 +9799,7 @@
           <a:p>
             <a:fld id="{4509A250-FF31-4206-8172-F9D3106AACB1}" type="datetimeFigureOut">
               <a:rPr lang="en-US" smtClean="0"/>
-              <a:t>1/14/22</a:t>
+              <a:t>1/18/22</a:t>
             </a:fld>
             <a:endParaRPr lang="en-US" dirty="0"/>
           </a:p>
@@ -9284,7 +9969,7 @@
           <a:p>
             <a:fld id="{4509A250-FF31-4206-8172-F9D3106AACB1}" type="datetimeFigureOut">
               <a:rPr lang="en-US" smtClean="0"/>
-              <a:t>1/14/22</a:t>
+              <a:t>1/18/22</a:t>
             </a:fld>
             <a:endParaRPr lang="en-US" dirty="0"/>
           </a:p>
@@ -9530,7 +10215,7 @@
           <a:p>
             <a:fld id="{9796027F-7875-4030-9381-8BD8C4F21935}" type="datetimeFigureOut">
               <a:rPr lang="en-US" smtClean="0"/>
-              <a:t>1/14/22</a:t>
+              <a:t>1/18/22</a:t>
             </a:fld>
             <a:endParaRPr lang="en-US" dirty="0"/>
           </a:p>
@@ -9762,7 +10447,7 @@
           <a:p>
             <a:fld id="{9796027F-7875-4030-9381-8BD8C4F21935}" type="datetimeFigureOut">
               <a:rPr lang="en-US" smtClean="0"/>
-              <a:t>1/14/22</a:t>
+              <a:t>1/18/22</a:t>
             </a:fld>
             <a:endParaRPr lang="en-US" dirty="0"/>
           </a:p>
@@ -10129,7 +10814,7 @@
           <a:p>
             <a:fld id="{9796027F-7875-4030-9381-8BD8C4F21935}" type="datetimeFigureOut">
               <a:rPr lang="en-US" smtClean="0"/>
-              <a:t>1/14/22</a:t>
+              <a:t>1/18/22</a:t>
             </a:fld>
             <a:endParaRPr lang="en-US" dirty="0"/>
           </a:p>
@@ -10247,7 +10932,7 @@
           <a:p>
             <a:fld id="{4509A250-FF31-4206-8172-F9D3106AACB1}" type="datetimeFigureOut">
               <a:rPr lang="en-US" smtClean="0"/>
-              <a:t>1/14/22</a:t>
+              <a:t>1/18/22</a:t>
             </a:fld>
             <a:endParaRPr lang="en-US" dirty="0"/>
           </a:p>
@@ -10342,7 +11027,7 @@
           <a:p>
             <a:fld id="{4509A250-FF31-4206-8172-F9D3106AACB1}" type="datetimeFigureOut">
               <a:rPr lang="en-US" smtClean="0"/>
-              <a:t>1/14/22</a:t>
+              <a:t>1/18/22</a:t>
             </a:fld>
             <a:endParaRPr lang="en-US" dirty="0"/>
           </a:p>
@@ -10619,7 +11304,7 @@
           <a:p>
             <a:fld id="{4509A250-FF31-4206-8172-F9D3106AACB1}" type="datetimeFigureOut">
               <a:rPr lang="en-US" smtClean="0"/>
-              <a:t>1/14/22</a:t>
+              <a:t>1/18/22</a:t>
             </a:fld>
             <a:endParaRPr lang="en-US" dirty="0"/>
           </a:p>
@@ -10876,7 +11561,7 @@
           <a:p>
             <a:fld id="{4509A250-FF31-4206-8172-F9D3106AACB1}" type="datetimeFigureOut">
               <a:rPr lang="en-US" smtClean="0"/>
-              <a:t>1/14/22</a:t>
+              <a:t>1/18/22</a:t>
             </a:fld>
             <a:endParaRPr lang="en-US" dirty="0"/>
           </a:p>
@@ -11089,7 +11774,7 @@
           <a:p>
             <a:fld id="{4AAD347D-5ACD-4C99-B74B-A9C85AD731AF}" type="datetimeFigureOut">
               <a:rPr lang="en-US" smtClean="0"/>
-              <a:t>1/14/22</a:t>
+              <a:t>1/18/22</a:t>
             </a:fld>
             <a:endParaRPr lang="en-US" dirty="0"/>
           </a:p>
@@ -11969,7 +12654,7 @@
         </p:nvSpPr>
         <p:spPr>
           <a:xfrm>
-            <a:off x="135491" y="127000"/>
+            <a:off x="135491" y="34012"/>
             <a:ext cx="7886700" cy="755315"/>
           </a:xfrm>
         </p:spPr>
@@ -11983,7 +12668,7 @@
                 <a:latin typeface="Tahoma" panose="020B0604030504040204" pitchFamily="34" charset="0"/>
                 <a:ea typeface="ＭＳ Ｐゴシック" panose="020B0600070205080204" pitchFamily="34" charset="-128"/>
               </a:rPr>
-              <a:t>Cells</a:t>
+              <a:t>Command Mode</a:t>
             </a:r>
           </a:p>
         </p:txBody>
@@ -12006,8 +12691,655 @@
         </p:nvSpPr>
         <p:spPr>
           <a:xfrm>
-            <a:off x="135491" y="810397"/>
-            <a:ext cx="8873018" cy="4705685"/>
+            <a:off x="135491" y="789327"/>
+            <a:ext cx="8873018" cy="4798673"/>
+          </a:xfrm>
+        </p:spPr>
+        <p:txBody>
+          <a:bodyPr>
+            <a:normAutofit/>
+          </a:bodyPr>
+          <a:lstStyle/>
+          <a:p>
+            <a:pPr marL="0" indent="0">
+              <a:buNone/>
+            </a:pPr>
+            <a:endParaRPr lang="en-US" b="1" dirty="0"/>
+          </a:p>
+          <a:p>
+            <a:pPr marL="0" indent="0">
+              <a:buNone/>
+            </a:pPr>
+            <a:r>
+              <a:rPr lang="en-US" b="1" dirty="0"/>
+              <a:t>Command Mode (Press</a:t>
+            </a:r>
+            <a:r>
+              <a:rPr lang="en-US" dirty="0"/>
+              <a:t> &lt;ESC&gt; </a:t>
+            </a:r>
+            <a:r>
+              <a:rPr lang="en-US" b="1" dirty="0"/>
+              <a:t>to activate)</a:t>
+            </a:r>
+            <a:endParaRPr lang="en-US" dirty="0"/>
+          </a:p>
+          <a:p>
+            <a:pPr marL="0" indent="0">
+              <a:buNone/>
+            </a:pPr>
+            <a:r>
+              <a:rPr lang="en-US" dirty="0"/>
+              <a:t>When in command mode, you can use keyboard shortcuts to create/delete/cut/paste notebook cells, and to change a cell’s type between code and markdown modes. </a:t>
+            </a:r>
+          </a:p>
+          <a:p>
+            <a:pPr marL="0" indent="0">
+              <a:buNone/>
+            </a:pPr>
+            <a:endParaRPr lang="en-US" dirty="0"/>
+          </a:p>
+          <a:p>
+            <a:pPr marL="0" indent="0">
+              <a:buNone/>
+            </a:pPr>
+            <a:r>
+              <a:rPr lang="en-US" dirty="0"/>
+              <a:t>Your selected cell will be surrounded by a </a:t>
+            </a:r>
+            <a:r>
+              <a:rPr lang="en-US" b="1" dirty="0"/>
+              <a:t>blue</a:t>
+            </a:r>
+            <a:r>
+              <a:rPr lang="en-US" dirty="0"/>
+              <a:t> border when you are in command mode.</a:t>
+            </a:r>
+            <a:endParaRPr lang="en-US" altLang="en-US" sz="1667" dirty="0">
+              <a:latin typeface="Tahoma" panose="020B0604030504040204" pitchFamily="34" charset="0"/>
+            </a:endParaRPr>
+          </a:p>
+        </p:txBody>
+      </p:sp>
+      <p:pic>
+        <p:nvPicPr>
+          <p:cNvPr id="6" name="Picture 5">
+            <a:extLst>
+              <a:ext uri="{FF2B5EF4-FFF2-40B4-BE49-F238E27FC236}">
+                <a16:creationId xmlns:a16="http://schemas.microsoft.com/office/drawing/2014/main" id="{993C5967-8F59-A04D-A9C7-C8FB49DD50E7}"/>
+              </a:ext>
+            </a:extLst>
+          </p:cNvPr>
+          <p:cNvPicPr>
+            <a:picLocks noChangeAspect="1"/>
+          </p:cNvPicPr>
+          <p:nvPr/>
+        </p:nvPicPr>
+        <p:blipFill>
+          <a:blip r:embed="rId3"/>
+          <a:stretch>
+            <a:fillRect/>
+          </a:stretch>
+        </p:blipFill>
+        <p:spPr>
+          <a:xfrm>
+            <a:off x="1440543" y="3921292"/>
+            <a:ext cx="4800600" cy="1004381"/>
+          </a:xfrm>
+          <a:prstGeom prst="rect">
+            <a:avLst/>
+          </a:prstGeom>
+        </p:spPr>
+      </p:pic>
+      <p:cxnSp>
+        <p:nvCxnSpPr>
+          <p:cNvPr id="9" name="Straight Arrow Connector 8">
+            <a:extLst>
+              <a:ext uri="{FF2B5EF4-FFF2-40B4-BE49-F238E27FC236}">
+                <a16:creationId xmlns:a16="http://schemas.microsoft.com/office/drawing/2014/main" id="{29116AF4-2B35-9B46-824C-02CFDC25FFD0}"/>
+              </a:ext>
+            </a:extLst>
+          </p:cNvPr>
+          <p:cNvCxnSpPr>
+            <a:cxnSpLocks/>
+          </p:cNvCxnSpPr>
+          <p:nvPr/>
+        </p:nvCxnSpPr>
+        <p:spPr>
+          <a:xfrm flipH="1">
+            <a:off x="1799771" y="3367315"/>
+            <a:ext cx="3396343" cy="972456"/>
+          </a:xfrm>
+          <a:prstGeom prst="straightConnector1">
+            <a:avLst/>
+          </a:prstGeom>
+          <a:ln w="31750">
+            <a:solidFill>
+              <a:schemeClr val="tx1"/>
+            </a:solidFill>
+            <a:tailEnd type="triangle"/>
+          </a:ln>
+        </p:spPr>
+        <p:style>
+          <a:lnRef idx="1">
+            <a:schemeClr val="accent1"/>
+          </a:lnRef>
+          <a:fillRef idx="0">
+            <a:schemeClr val="accent1"/>
+          </a:fillRef>
+          <a:effectRef idx="0">
+            <a:schemeClr val="accent1"/>
+          </a:effectRef>
+          <a:fontRef idx="minor">
+            <a:schemeClr val="tx1"/>
+          </a:fontRef>
+        </p:style>
+      </p:cxnSp>
+    </p:spTree>
+    <p:extLst>
+      <p:ext uri="{BB962C8B-B14F-4D97-AF65-F5344CB8AC3E}">
+        <p14:creationId xmlns:p14="http://schemas.microsoft.com/office/powerpoint/2010/main" val="2113750020"/>
+      </p:ext>
+    </p:extLst>
+  </p:cSld>
+  <p:clrMapOvr>
+    <a:masterClrMapping/>
+  </p:clrMapOvr>
+  <p:transition/>
+  <p:timing>
+    <p:tnLst>
+      <p:par>
+        <p:cTn id="1" dur="indefinite" restart="never" nodeType="tmRoot">
+          <p:childTnLst>
+            <p:seq concurrent="1" nextAc="seek">
+              <p:cTn id="2" dur="indefinite" nodeType="mainSeq">
+                <p:childTnLst>
+                  <p:par>
+                    <p:cTn id="3" fill="hold">
+                      <p:stCondLst>
+                        <p:cond delay="indefinite"/>
+                      </p:stCondLst>
+                      <p:childTnLst>
+                        <p:par>
+                          <p:cTn id="4" fill="hold">
+                            <p:stCondLst>
+                              <p:cond delay="0"/>
+                            </p:stCondLst>
+                            <p:childTnLst>
+                              <p:par>
+                                <p:cTn id="5" presetID="1" presetClass="entr" presetSubtype="0" fill="hold" nodeType="clickEffect">
+                                  <p:stCondLst>
+                                    <p:cond delay="0"/>
+                                  </p:stCondLst>
+                                  <p:childTnLst>
+                                    <p:set>
+                                      <p:cBhvr>
+                                        <p:cTn id="6" dur="1" fill="hold">
+                                          <p:stCondLst>
+                                            <p:cond delay="0"/>
+                                          </p:stCondLst>
+                                        </p:cTn>
+                                        <p:tgtEl>
+                                          <p:spTgt spid="16386">
+                                            <p:txEl>
+                                              <p:pRg st="2" end="2"/>
+                                            </p:txEl>
+                                          </p:spTgt>
+                                        </p:tgtEl>
+                                        <p:attrNameLst>
+                                          <p:attrName>style.visibility</p:attrName>
+                                        </p:attrNameLst>
+                                      </p:cBhvr>
+                                      <p:to>
+                                        <p:strVal val="visible"/>
+                                      </p:to>
+                                    </p:set>
+                                  </p:childTnLst>
+                                </p:cTn>
+                              </p:par>
+                            </p:childTnLst>
+                          </p:cTn>
+                        </p:par>
+                      </p:childTnLst>
+                    </p:cTn>
+                  </p:par>
+                  <p:par>
+                    <p:cTn id="7" fill="hold">
+                      <p:stCondLst>
+                        <p:cond delay="indefinite"/>
+                      </p:stCondLst>
+                      <p:childTnLst>
+                        <p:par>
+                          <p:cTn id="8" fill="hold">
+                            <p:stCondLst>
+                              <p:cond delay="0"/>
+                            </p:stCondLst>
+                            <p:childTnLst>
+                              <p:par>
+                                <p:cTn id="9" presetID="1" presetClass="entr" presetSubtype="0" fill="hold" nodeType="clickEffect">
+                                  <p:stCondLst>
+                                    <p:cond delay="0"/>
+                                  </p:stCondLst>
+                                  <p:childTnLst>
+                                    <p:set>
+                                      <p:cBhvr>
+                                        <p:cTn id="10" dur="1" fill="hold">
+                                          <p:stCondLst>
+                                            <p:cond delay="0"/>
+                                          </p:stCondLst>
+                                        </p:cTn>
+                                        <p:tgtEl>
+                                          <p:spTgt spid="16386">
+                                            <p:txEl>
+                                              <p:pRg st="4" end="4"/>
+                                            </p:txEl>
+                                          </p:spTgt>
+                                        </p:tgtEl>
+                                        <p:attrNameLst>
+                                          <p:attrName>style.visibility</p:attrName>
+                                        </p:attrNameLst>
+                                      </p:cBhvr>
+                                      <p:to>
+                                        <p:strVal val="visible"/>
+                                      </p:to>
+                                    </p:set>
+                                  </p:childTnLst>
+                                </p:cTn>
+                              </p:par>
+                            </p:childTnLst>
+                          </p:cTn>
+                        </p:par>
+                      </p:childTnLst>
+                    </p:cTn>
+                  </p:par>
+                  <p:par>
+                    <p:cTn id="11" fill="hold">
+                      <p:stCondLst>
+                        <p:cond delay="indefinite"/>
+                      </p:stCondLst>
+                      <p:childTnLst>
+                        <p:par>
+                          <p:cTn id="12" fill="hold">
+                            <p:stCondLst>
+                              <p:cond delay="0"/>
+                            </p:stCondLst>
+                            <p:childTnLst>
+                              <p:par>
+                                <p:cTn id="13" presetID="1" presetClass="entr" presetSubtype="0" fill="hold" nodeType="clickEffect">
+                                  <p:stCondLst>
+                                    <p:cond delay="0"/>
+                                  </p:stCondLst>
+                                  <p:childTnLst>
+                                    <p:set>
+                                      <p:cBhvr>
+                                        <p:cTn id="14" dur="1" fill="hold">
+                                          <p:stCondLst>
+                                            <p:cond delay="0"/>
+                                          </p:stCondLst>
+                                        </p:cTn>
+                                        <p:tgtEl>
+                                          <p:spTgt spid="9"/>
+                                        </p:tgtEl>
+                                        <p:attrNameLst>
+                                          <p:attrName>style.visibility</p:attrName>
+                                        </p:attrNameLst>
+                                      </p:cBhvr>
+                                      <p:to>
+                                        <p:strVal val="visible"/>
+                                      </p:to>
+                                    </p:set>
+                                  </p:childTnLst>
+                                </p:cTn>
+                              </p:par>
+                              <p:par>
+                                <p:cTn id="15" presetID="1" presetClass="entr" presetSubtype="0" fill="hold" nodeType="withEffect">
+                                  <p:stCondLst>
+                                    <p:cond delay="0"/>
+                                  </p:stCondLst>
+                                  <p:childTnLst>
+                                    <p:set>
+                                      <p:cBhvr>
+                                        <p:cTn id="16" dur="1" fill="hold">
+                                          <p:stCondLst>
+                                            <p:cond delay="0"/>
+                                          </p:stCondLst>
+                                        </p:cTn>
+                                        <p:tgtEl>
+                                          <p:spTgt spid="6"/>
+                                        </p:tgtEl>
+                                        <p:attrNameLst>
+                                          <p:attrName>style.visibility</p:attrName>
+                                        </p:attrNameLst>
+                                      </p:cBhvr>
+                                      <p:to>
+                                        <p:strVal val="visible"/>
+                                      </p:to>
+                                    </p:set>
+                                  </p:childTnLst>
+                                </p:cTn>
+                              </p:par>
+                            </p:childTnLst>
+                          </p:cTn>
+                        </p:par>
+                      </p:childTnLst>
+                    </p:cTn>
+                  </p:par>
+                </p:childTnLst>
+              </p:cTn>
+              <p:prevCondLst>
+                <p:cond evt="onPrev" delay="0">
+                  <p:tgtEl>
+                    <p:sldTgt/>
+                  </p:tgtEl>
+                </p:cond>
+              </p:prevCondLst>
+              <p:nextCondLst>
+                <p:cond evt="onNext" delay="0">
+                  <p:tgtEl>
+                    <p:sldTgt/>
+                  </p:tgtEl>
+                </p:cond>
+              </p:nextCondLst>
+            </p:seq>
+          </p:childTnLst>
+        </p:cTn>
+      </p:par>
+    </p:tnLst>
+  </p:timing>
+</p:sld>
+</file>
+
+<file path=ppt/slides/slide11.xml><?xml version="1.0" encoding="utf-8"?>
+<p:sld xmlns:a="http://schemas.openxmlformats.org/drawingml/2006/main" xmlns:r="http://schemas.openxmlformats.org/officeDocument/2006/relationships" xmlns:p="http://schemas.openxmlformats.org/presentationml/2006/main">
+  <p:cSld>
+    <p:spTree>
+      <p:nvGrpSpPr>
+        <p:cNvPr id="1" name=""/>
+        <p:cNvGrpSpPr/>
+        <p:nvPr/>
+      </p:nvGrpSpPr>
+      <p:grpSpPr>
+        <a:xfrm>
+          <a:off x="0" y="0"/>
+          <a:ext cx="0" cy="0"/>
+          <a:chOff x="0" y="0"/>
+          <a:chExt cx="0" cy="0"/>
+        </a:xfrm>
+      </p:grpSpPr>
+      <p:sp>
+        <p:nvSpPr>
+          <p:cNvPr id="16385" name="Rectangle 2">
+            <a:extLst>
+              <a:ext uri="{FF2B5EF4-FFF2-40B4-BE49-F238E27FC236}">
+                <a16:creationId xmlns:a16="http://schemas.microsoft.com/office/drawing/2014/main" id="{8FAE8CA6-5EB1-544B-9637-4627ADA36986}"/>
+              </a:ext>
+            </a:extLst>
+          </p:cNvPr>
+          <p:cNvSpPr>
+            <a:spLocks noGrp="1" noChangeArrowheads="1"/>
+          </p:cNvSpPr>
+          <p:nvPr>
+            <p:ph type="title"/>
+          </p:nvPr>
+        </p:nvSpPr>
+        <p:spPr>
+          <a:xfrm>
+            <a:off x="135491" y="34012"/>
+            <a:ext cx="7886700" cy="755315"/>
+          </a:xfrm>
+        </p:spPr>
+        <p:txBody>
+          <a:bodyPr/>
+          <a:lstStyle/>
+          <a:p>
+            <a:pPr eaLnBrk="1" hangingPunct="1"/>
+            <a:r>
+              <a:rPr lang="en-US" altLang="en-US" dirty="0">
+                <a:latin typeface="Tahoma" panose="020B0604030504040204" pitchFamily="34" charset="0"/>
+                <a:ea typeface="ＭＳ Ｐゴシック" panose="020B0600070205080204" pitchFamily="34" charset="-128"/>
+              </a:rPr>
+              <a:t>Command Mode</a:t>
+            </a:r>
+          </a:p>
+        </p:txBody>
+      </p:sp>
+      <p:sp>
+        <p:nvSpPr>
+          <p:cNvPr id="16386" name="Rectangle 3">
+            <a:extLst>
+              <a:ext uri="{FF2B5EF4-FFF2-40B4-BE49-F238E27FC236}">
+                <a16:creationId xmlns:a16="http://schemas.microsoft.com/office/drawing/2014/main" id="{AC84324A-3724-874B-82A1-71A36E0BBD8D}"/>
+              </a:ext>
+            </a:extLst>
+          </p:cNvPr>
+          <p:cNvSpPr>
+            <a:spLocks noGrp="1" noChangeArrowheads="1"/>
+          </p:cNvSpPr>
+          <p:nvPr>
+            <p:ph type="body" idx="1"/>
+          </p:nvPr>
+        </p:nvSpPr>
+        <p:spPr>
+          <a:xfrm>
+            <a:off x="135491" y="789327"/>
+            <a:ext cx="8873018" cy="4798673"/>
+          </a:xfrm>
+        </p:spPr>
+        <p:txBody>
+          <a:bodyPr>
+            <a:normAutofit/>
+          </a:bodyPr>
+          <a:lstStyle/>
+          <a:p>
+            <a:pPr marL="0" indent="0">
+              <a:buNone/>
+            </a:pPr>
+            <a:r>
+              <a:rPr lang="en-US" dirty="0"/>
+              <a:t>When in command mode, you can use keyboard shortcuts to create/delete/cut/paste notebook cells, and to change a cell’s type between code and markdown modes. </a:t>
+            </a:r>
+          </a:p>
+          <a:p>
+            <a:pPr marL="0" indent="0">
+              <a:buNone/>
+            </a:pPr>
+            <a:endParaRPr lang="en-US" dirty="0"/>
+          </a:p>
+        </p:txBody>
+      </p:sp>
+      <p:pic>
+        <p:nvPicPr>
+          <p:cNvPr id="4" name="Picture 3">
+            <a:extLst>
+              <a:ext uri="{FF2B5EF4-FFF2-40B4-BE49-F238E27FC236}">
+                <a16:creationId xmlns:a16="http://schemas.microsoft.com/office/drawing/2014/main" id="{FFB38162-702C-AE4E-871F-B4FACF0A3420}"/>
+              </a:ext>
+            </a:extLst>
+          </p:cNvPr>
+          <p:cNvPicPr>
+            <a:picLocks noChangeAspect="1"/>
+          </p:cNvPicPr>
+          <p:nvPr/>
+        </p:nvPicPr>
+        <p:blipFill>
+          <a:blip r:embed="rId3"/>
+          <a:stretch>
+            <a:fillRect/>
+          </a:stretch>
+        </p:blipFill>
+        <p:spPr>
+          <a:xfrm>
+            <a:off x="125678" y="2163821"/>
+            <a:ext cx="9018322" cy="2451722"/>
+          </a:xfrm>
+          <a:prstGeom prst="rect">
+            <a:avLst/>
+          </a:prstGeom>
+        </p:spPr>
+      </p:pic>
+    </p:spTree>
+    <p:extLst>
+      <p:ext uri="{BB962C8B-B14F-4D97-AF65-F5344CB8AC3E}">
+        <p14:creationId xmlns:p14="http://schemas.microsoft.com/office/powerpoint/2010/main" val="1023724168"/>
+      </p:ext>
+    </p:extLst>
+  </p:cSld>
+  <p:clrMapOvr>
+    <a:masterClrMapping/>
+  </p:clrMapOvr>
+  <p:transition/>
+  <p:timing>
+    <p:tnLst>
+      <p:par>
+        <p:cTn id="1" dur="indefinite" restart="never" nodeType="tmRoot">
+          <p:childTnLst>
+            <p:seq concurrent="1" nextAc="seek">
+              <p:cTn id="2" dur="indefinite" nodeType="mainSeq">
+                <p:childTnLst>
+                  <p:par>
+                    <p:cTn id="3" fill="hold">
+                      <p:stCondLst>
+                        <p:cond delay="indefinite"/>
+                      </p:stCondLst>
+                      <p:childTnLst>
+                        <p:par>
+                          <p:cTn id="4" fill="hold">
+                            <p:stCondLst>
+                              <p:cond delay="0"/>
+                            </p:stCondLst>
+                            <p:childTnLst>
+                              <p:par>
+                                <p:cTn id="5" presetID="1" presetClass="entr" presetSubtype="0" fill="hold" nodeType="clickEffect">
+                                  <p:stCondLst>
+                                    <p:cond delay="0"/>
+                                  </p:stCondLst>
+                                  <p:childTnLst>
+                                    <p:set>
+                                      <p:cBhvr>
+                                        <p:cTn id="6" dur="1" fill="hold">
+                                          <p:stCondLst>
+                                            <p:cond delay="0"/>
+                                          </p:stCondLst>
+                                        </p:cTn>
+                                        <p:tgtEl>
+                                          <p:spTgt spid="4"/>
+                                        </p:tgtEl>
+                                        <p:attrNameLst>
+                                          <p:attrName>style.visibility</p:attrName>
+                                        </p:attrNameLst>
+                                      </p:cBhvr>
+                                      <p:to>
+                                        <p:strVal val="visible"/>
+                                      </p:to>
+                                    </p:set>
+                                  </p:childTnLst>
+                                </p:cTn>
+                              </p:par>
+                            </p:childTnLst>
+                          </p:cTn>
+                        </p:par>
+                      </p:childTnLst>
+                    </p:cTn>
+                  </p:par>
+                </p:childTnLst>
+              </p:cTn>
+              <p:prevCondLst>
+                <p:cond evt="onPrev" delay="0">
+                  <p:tgtEl>
+                    <p:sldTgt/>
+                  </p:tgtEl>
+                </p:cond>
+              </p:prevCondLst>
+              <p:nextCondLst>
+                <p:cond evt="onNext" delay="0">
+                  <p:tgtEl>
+                    <p:sldTgt/>
+                  </p:tgtEl>
+                </p:cond>
+              </p:nextCondLst>
+            </p:seq>
+          </p:childTnLst>
+        </p:cTn>
+      </p:par>
+    </p:tnLst>
+  </p:timing>
+</p:sld>
+</file>
+
+<file path=ppt/slides/slide12.xml><?xml version="1.0" encoding="utf-8"?>
+<p:sld xmlns:a="http://schemas.openxmlformats.org/drawingml/2006/main" xmlns:r="http://schemas.openxmlformats.org/officeDocument/2006/relationships" xmlns:p="http://schemas.openxmlformats.org/presentationml/2006/main">
+  <p:cSld>
+    <p:spTree>
+      <p:nvGrpSpPr>
+        <p:cNvPr id="1" name=""/>
+        <p:cNvGrpSpPr/>
+        <p:nvPr/>
+      </p:nvGrpSpPr>
+      <p:grpSpPr>
+        <a:xfrm>
+          <a:off x="0" y="0"/>
+          <a:ext cx="0" cy="0"/>
+          <a:chOff x="0" y="0"/>
+          <a:chExt cx="0" cy="0"/>
+        </a:xfrm>
+      </p:grpSpPr>
+      <p:sp>
+        <p:nvSpPr>
+          <p:cNvPr id="16385" name="Rectangle 2">
+            <a:extLst>
+              <a:ext uri="{FF2B5EF4-FFF2-40B4-BE49-F238E27FC236}">
+                <a16:creationId xmlns:a16="http://schemas.microsoft.com/office/drawing/2014/main" id="{8FAE8CA6-5EB1-544B-9637-4627ADA36986}"/>
+              </a:ext>
+            </a:extLst>
+          </p:cNvPr>
+          <p:cNvSpPr>
+            <a:spLocks noGrp="1" noChangeArrowheads="1"/>
+          </p:cNvSpPr>
+          <p:nvPr>
+            <p:ph type="title"/>
+          </p:nvPr>
+        </p:nvSpPr>
+        <p:spPr>
+          <a:xfrm>
+            <a:off x="135491" y="127000"/>
+            <a:ext cx="7886700" cy="755315"/>
+          </a:xfrm>
+        </p:spPr>
+        <p:txBody>
+          <a:bodyPr/>
+          <a:lstStyle/>
+          <a:p>
+            <a:pPr eaLnBrk="1" hangingPunct="1"/>
+            <a:r>
+              <a:rPr lang="en-US" altLang="en-US" dirty="0">
+                <a:latin typeface="Tahoma" panose="020B0604030504040204" pitchFamily="34" charset="0"/>
+                <a:ea typeface="ＭＳ Ｐゴシック" panose="020B0600070205080204" pitchFamily="34" charset="-128"/>
+              </a:rPr>
+              <a:t>Cells</a:t>
+            </a:r>
+          </a:p>
+        </p:txBody>
+      </p:sp>
+      <p:sp>
+        <p:nvSpPr>
+          <p:cNvPr id="16386" name="Rectangle 3">
+            <a:extLst>
+              <a:ext uri="{FF2B5EF4-FFF2-40B4-BE49-F238E27FC236}">
+                <a16:creationId xmlns:a16="http://schemas.microsoft.com/office/drawing/2014/main" id="{AC84324A-3724-874B-82A1-71A36E0BBD8D}"/>
+              </a:ext>
+            </a:extLst>
+          </p:cNvPr>
+          <p:cNvSpPr>
+            <a:spLocks noGrp="1" noChangeArrowheads="1"/>
+          </p:cNvSpPr>
+          <p:nvPr>
+            <p:ph type="body" idx="1"/>
+          </p:nvPr>
+        </p:nvSpPr>
+        <p:spPr>
+          <a:xfrm>
+            <a:off x="0" y="810397"/>
+            <a:ext cx="9008509" cy="4705685"/>
           </a:xfrm>
           <a:ln>
             <a:solidFill>
@@ -12028,7 +13360,22 @@
               <a:rPr lang="en-US" altLang="en-US" sz="1667" dirty="0">
                 <a:latin typeface="Tahoma" panose="020B0604030504040204" pitchFamily="34" charset="0"/>
               </a:rPr>
-              <a:t>You can write code across multiple cells and execute them one at a time. </a:t>
+              <a:t>You can write code across multiple cells and execute them one at a time. (press </a:t>
+            </a:r>
+            <a:r>
+              <a:rPr lang="en-US" altLang="en-US" sz="1667" dirty="0">
+                <a:solidFill>
+                  <a:srgbClr val="FF0000"/>
+                </a:solidFill>
+                <a:latin typeface="Tahoma" panose="020B0604030504040204" pitchFamily="34" charset="0"/>
+              </a:rPr>
+              <a:t>Shift + Enter</a:t>
+            </a:r>
+            <a:r>
+              <a:rPr lang="en-US" altLang="en-US" sz="1667" dirty="0">
+                <a:latin typeface="Tahoma" panose="020B0604030504040204" pitchFamily="34" charset="0"/>
+              </a:rPr>
+              <a:t>)</a:t>
             </a:r>
           </a:p>
           <a:p>
@@ -13121,7 +14468,7 @@
 </p:sld>
 </file>
 
-<file path=ppt/slides/slide11.xml><?xml version="1.0" encoding="utf-8"?>
+<file path=ppt/slides/slide13.xml><?xml version="1.0" encoding="utf-8"?>
 <p:sld xmlns:a="http://schemas.openxmlformats.org/drawingml/2006/main" xmlns:r="http://schemas.openxmlformats.org/officeDocument/2006/relationships" xmlns:p="http://schemas.openxmlformats.org/presentationml/2006/main">
   <p:cSld>
     <p:spTree>
@@ -13834,87 +15181,7 @@
 </p:sld>
 </file>
 
-<file path=ppt/slides/slide12.xml><?xml version="1.0" encoding="utf-8"?>
-<p:sld xmlns:a="http://schemas.openxmlformats.org/drawingml/2006/main" xmlns:r="http://schemas.openxmlformats.org/officeDocument/2006/relationships" xmlns:p="http://schemas.openxmlformats.org/presentationml/2006/main">
-  <p:cSld>
-    <p:spTree>
-      <p:nvGrpSpPr>
-        <p:cNvPr id="1" name=""/>
-        <p:cNvGrpSpPr/>
-        <p:nvPr/>
-      </p:nvGrpSpPr>
-      <p:grpSpPr>
-        <a:xfrm>
-          <a:off x="0" y="0"/>
-          <a:ext cx="0" cy="0"/>
-          <a:chOff x="0" y="0"/>
-          <a:chExt cx="0" cy="0"/>
-        </a:xfrm>
-      </p:grpSpPr>
-      <p:sp>
-        <p:nvSpPr>
-          <p:cNvPr id="2" name="Title 1">
-            <a:extLst>
-              <a:ext uri="{FF2B5EF4-FFF2-40B4-BE49-F238E27FC236}">
-                <a16:creationId xmlns:a16="http://schemas.microsoft.com/office/drawing/2014/main" id="{DF0D118A-A7BF-B145-B7E6-67B86E35333A}"/>
-              </a:ext>
-            </a:extLst>
-          </p:cNvPr>
-          <p:cNvSpPr>
-            <a:spLocks noGrp="1"/>
-          </p:cNvSpPr>
-          <p:nvPr>
-            <p:ph type="title"/>
-          </p:nvPr>
-        </p:nvSpPr>
-        <p:spPr/>
-        <p:txBody>
-          <a:bodyPr/>
-          <a:lstStyle/>
-          <a:p>
-            <a:endParaRPr lang="en-US"/>
-          </a:p>
-        </p:txBody>
-      </p:sp>
-      <p:sp>
-        <p:nvSpPr>
-          <p:cNvPr id="6" name="Content Placeholder 5">
-            <a:extLst>
-              <a:ext uri="{FF2B5EF4-FFF2-40B4-BE49-F238E27FC236}">
-                <a16:creationId xmlns:a16="http://schemas.microsoft.com/office/drawing/2014/main" id="{7015E417-B55D-9E4C-BB06-8E721CF593B9}"/>
-              </a:ext>
-            </a:extLst>
-          </p:cNvPr>
-          <p:cNvSpPr>
-            <a:spLocks noGrp="1"/>
-          </p:cNvSpPr>
-          <p:nvPr>
-            <p:ph idx="1"/>
-          </p:nvPr>
-        </p:nvSpPr>
-        <p:spPr/>
-        <p:txBody>
-          <a:bodyPr/>
-          <a:lstStyle/>
-          <a:p>
-            <a:endParaRPr lang="en-US"/>
-          </a:p>
-        </p:txBody>
-      </p:sp>
-    </p:spTree>
-    <p:extLst>
-      <p:ext uri="{BB962C8B-B14F-4D97-AF65-F5344CB8AC3E}">
-        <p14:creationId xmlns:p14="http://schemas.microsoft.com/office/powerpoint/2010/main" val="4114538063"/>
-      </p:ext>
-    </p:extLst>
-  </p:cSld>
-  <p:clrMapOvr>
-    <a:masterClrMapping/>
-  </p:clrMapOvr>
-</p:sld>
-</file>
-
-<file path=ppt/slides/slide13.xml><?xml version="1.0" encoding="utf-8"?>
+<file path=ppt/slides/slide14.xml><?xml version="1.0" encoding="utf-8"?>
 <p:sld xmlns:a="http://schemas.openxmlformats.org/drawingml/2006/main" xmlns:r="http://schemas.openxmlformats.org/officeDocument/2006/relationships" xmlns:p="http://schemas.openxmlformats.org/presentationml/2006/main">
   <p:cSld>
     <p:spTree>
@@ -14219,6 +15486,85 @@
     <a:masterClrMapping/>
   </p:clrMapOvr>
   <p:transition/>
+  <p:timing>
+    <p:tnLst>
+      <p:par>
+        <p:cTn id="1" dur="indefinite" restart="never" nodeType="tmRoot">
+          <p:childTnLst>
+            <p:seq concurrent="1" nextAc="seek">
+              <p:cTn id="2" dur="indefinite" nodeType="mainSeq">
+                <p:childTnLst>
+                  <p:par>
+                    <p:cTn id="3" fill="hold">
+                      <p:stCondLst>
+                        <p:cond delay="indefinite"/>
+                      </p:stCondLst>
+                      <p:childTnLst>
+                        <p:par>
+                          <p:cTn id="4" fill="hold">
+                            <p:stCondLst>
+                              <p:cond delay="0"/>
+                            </p:stCondLst>
+                            <p:childTnLst>
+                              <p:par>
+                                <p:cTn id="5" presetID="1" presetClass="entr" presetSubtype="0" fill="hold" nodeType="clickEffect">
+                                  <p:stCondLst>
+                                    <p:cond delay="0"/>
+                                  </p:stCondLst>
+                                  <p:childTnLst>
+                                    <p:set>
+                                      <p:cBhvr>
+                                        <p:cTn id="6" dur="1" fill="hold">
+                                          <p:stCondLst>
+                                            <p:cond delay="0"/>
+                                          </p:stCondLst>
+                                        </p:cTn>
+                                        <p:tgtEl>
+                                          <p:spTgt spid="16386">
+                                            <p:txEl>
+                                              <p:pRg st="4" end="4"/>
+                                            </p:txEl>
+                                          </p:spTgt>
+                                        </p:tgtEl>
+                                        <p:attrNameLst>
+                                          <p:attrName>style.visibility</p:attrName>
+                                        </p:attrNameLst>
+                                      </p:cBhvr>
+                                      <p:to>
+                                        <p:strVal val="visible"/>
+                                      </p:to>
+                                    </p:set>
+                                  </p:childTnLst>
+                                </p:cTn>
+                              </p:par>
+                            </p:childTnLst>
+                          </p:cTn>
+                        </p:par>
+                      </p:childTnLst>
+                    </p:cTn>
+                  </p:par>
+                </p:childTnLst>
+              </p:cTn>
+              <p:prevCondLst>
+                <p:cond evt="onPrev" delay="0">
+                  <p:tgtEl>
+                    <p:sldTgt/>
+                  </p:tgtEl>
+                </p:cond>
+              </p:prevCondLst>
+              <p:nextCondLst>
+                <p:cond evt="onNext" delay="0">
+                  <p:tgtEl>
+                    <p:sldTgt/>
+                  </p:tgtEl>
+                </p:cond>
+              </p:nextCondLst>
+            </p:seq>
+          </p:childTnLst>
+        </p:cTn>
+      </p:par>
+    </p:tnLst>
+  </p:timing>
 </p:sld>
 </file>
 
@@ -14421,6 +15767,81 @@
     <a:masterClrMapping/>
   </p:clrMapOvr>
   <p:transition/>
+  <p:timing>
+    <p:tnLst>
+      <p:par>
+        <p:cTn id="1" dur="indefinite" restart="never" nodeType="tmRoot">
+          <p:childTnLst>
+            <p:seq concurrent="1" nextAc="seek">
+              <p:cTn id="2" dur="indefinite" nodeType="mainSeq">
+                <p:childTnLst>
+                  <p:par>
+                    <p:cTn id="3" fill="hold">
+                      <p:stCondLst>
+                        <p:cond delay="indefinite"/>
+                      </p:stCondLst>
+                      <p:childTnLst>
+                        <p:par>
+                          <p:cTn id="4" fill="hold">
+                            <p:stCondLst>
+                              <p:cond delay="0"/>
+                            </p:stCondLst>
+                            <p:childTnLst>
+                              <p:par>
+                                <p:cTn id="5" presetID="1" presetClass="entr" presetSubtype="0" fill="hold" nodeType="clickEffect">
+                                  <p:stCondLst>
+                                    <p:cond delay="0"/>
+                                  </p:stCondLst>
+                                  <p:childTnLst>
+                                    <p:set>
+                                      <p:cBhvr>
+                                        <p:cTn id="6" dur="1" fill="hold">
+                                          <p:stCondLst>
+                                            <p:cond delay="0"/>
+                                          </p:stCondLst>
+                                        </p:cTn>
+                                        <p:tgtEl>
+                                          <p:spTgt spid="2"/>
+                                        </p:tgtEl>
+                                        <p:attrNameLst>
+                                          <p:attrName>style.visibility</p:attrName>
+                                        </p:attrNameLst>
+                                      </p:cBhvr>
+                                      <p:to>
+                                        <p:strVal val="visible"/>
+                                      </p:to>
+                                    </p:set>
+                                  </p:childTnLst>
+                                </p:cTn>
+                              </p:par>
+                            </p:childTnLst>
+                          </p:cTn>
+                        </p:par>
+                      </p:childTnLst>
+                    </p:cTn>
+                  </p:par>
+                </p:childTnLst>
+              </p:cTn>
+              <p:prevCondLst>
+                <p:cond evt="onPrev" delay="0">
+                  <p:tgtEl>
+                    <p:sldTgt/>
+                  </p:tgtEl>
+                </p:cond>
+              </p:prevCondLst>
+              <p:nextCondLst>
+                <p:cond evt="onNext" delay="0">
+                  <p:tgtEl>
+                    <p:sldTgt/>
+                  </p:tgtEl>
+                </p:cond>
+              </p:nextCondLst>
+            </p:seq>
+          </p:childTnLst>
+        </p:cTn>
+      </p:par>
+    </p:tnLst>
+  </p:timing>
 </p:sld>
 </file>
 
@@ -14664,6 +16085,161 @@
     <a:masterClrMapping/>
   </p:clrMapOvr>
   <p:transition/>
+  <p:timing>
+    <p:tnLst>
+      <p:par>
+        <p:cTn id="1" dur="indefinite" restart="never" nodeType="tmRoot">
+          <p:childTnLst>
+            <p:seq concurrent="1" nextAc="seek">
+              <p:cTn id="2" dur="indefinite" nodeType="mainSeq">
+                <p:childTnLst>
+                  <p:par>
+                    <p:cTn id="3" fill="hold">
+                      <p:stCondLst>
+                        <p:cond delay="indefinite"/>
+                      </p:stCondLst>
+                      <p:childTnLst>
+                        <p:par>
+                          <p:cTn id="4" fill="hold">
+                            <p:stCondLst>
+                              <p:cond delay="0"/>
+                            </p:stCondLst>
+                            <p:childTnLst>
+                              <p:par>
+                                <p:cTn id="5" presetID="1" presetClass="entr" presetSubtype="0" fill="hold" nodeType="clickEffect">
+                                  <p:stCondLst>
+                                    <p:cond delay="0"/>
+                                  </p:stCondLst>
+                                  <p:childTnLst>
+                                    <p:set>
+                                      <p:cBhvr>
+                                        <p:cTn id="6" dur="1" fill="hold">
+                                          <p:stCondLst>
+                                            <p:cond delay="0"/>
+                                          </p:stCondLst>
+                                        </p:cTn>
+                                        <p:tgtEl>
+                                          <p:spTgt spid="2"/>
+                                        </p:tgtEl>
+                                        <p:attrNameLst>
+                                          <p:attrName>style.visibility</p:attrName>
+                                        </p:attrNameLst>
+                                      </p:cBhvr>
+                                      <p:to>
+                                        <p:strVal val="visible"/>
+                                      </p:to>
+                                    </p:set>
+                                  </p:childTnLst>
+                                </p:cTn>
+                              </p:par>
+                            </p:childTnLst>
+                          </p:cTn>
+                        </p:par>
+                      </p:childTnLst>
+                    </p:cTn>
+                  </p:par>
+                  <p:par>
+                    <p:cTn id="7" fill="hold">
+                      <p:stCondLst>
+                        <p:cond delay="indefinite"/>
+                      </p:stCondLst>
+                      <p:childTnLst>
+                        <p:par>
+                          <p:cTn id="8" fill="hold">
+                            <p:stCondLst>
+                              <p:cond delay="0"/>
+                            </p:stCondLst>
+                            <p:childTnLst>
+                              <p:par>
+                                <p:cTn id="9" presetID="1" presetClass="entr" presetSubtype="0" fill="hold" nodeType="clickEffect">
+                                  <p:stCondLst>
+                                    <p:cond delay="0"/>
+                                  </p:stCondLst>
+                                  <p:childTnLst>
+                                    <p:set>
+                                      <p:cBhvr>
+                                        <p:cTn id="10" dur="1" fill="hold">
+                                          <p:stCondLst>
+                                            <p:cond delay="0"/>
+                                          </p:stCondLst>
+                                        </p:cTn>
+                                        <p:tgtEl>
+                                          <p:spTgt spid="16386">
+                                            <p:txEl>
+                                              <p:pRg st="14" end="14"/>
+                                            </p:txEl>
+                                          </p:spTgt>
+                                        </p:tgtEl>
+                                        <p:attrNameLst>
+                                          <p:attrName>style.visibility</p:attrName>
+                                        </p:attrNameLst>
+                                      </p:cBhvr>
+                                      <p:to>
+                                        <p:strVal val="visible"/>
+                                      </p:to>
+                                    </p:set>
+                                  </p:childTnLst>
+                                </p:cTn>
+                              </p:par>
+                              <p:par>
+                                <p:cTn id="11" presetID="1" presetClass="entr" presetSubtype="0" fill="hold" nodeType="withEffect">
+                                  <p:stCondLst>
+                                    <p:cond delay="0"/>
+                                  </p:stCondLst>
+                                  <p:childTnLst>
+                                    <p:set>
+                                      <p:cBhvr>
+                                        <p:cTn id="12" dur="1" fill="hold">
+                                          <p:stCondLst>
+                                            <p:cond delay="0"/>
+                                          </p:stCondLst>
+                                        </p:cTn>
+                                        <p:tgtEl>
+                                          <p:spTgt spid="16386">
+                                            <p:txEl>
+                                              <p:pRg st="15" end="15"/>
+                                            </p:txEl>
+                                          </p:spTgt>
+                                        </p:tgtEl>
+                                        <p:attrNameLst>
+                                          <p:attrName>style.visibility</p:attrName>
+                                        </p:attrNameLst>
+                                      </p:cBhvr>
+                                      <p:to>
+                                        <p:strVal val="visible"/>
+                                      </p:to>
+                                    </p:set>
+                                  </p:childTnLst>
+                                </p:cTn>
+                              </p:par>
+                            </p:childTnLst>
+                          </p:cTn>
+                        </p:par>
+                      </p:childTnLst>
+                    </p:cTn>
+                  </p:par>
+                </p:childTnLst>
+              </p:cTn>
+              <p:prevCondLst>
+                <p:cond evt="onPrev" delay="0">
+                  <p:tgtEl>
+                    <p:sldTgt/>
+                  </p:tgtEl>
+                </p:cond>
+              </p:prevCondLst>
+              <p:nextCondLst>
+                <p:cond evt="onNext" delay="0">
+                  <p:tgtEl>
+                    <p:sldTgt/>
+                  </p:tgtEl>
+                </p:cond>
+              </p:nextCondLst>
+            </p:seq>
+          </p:childTnLst>
+        </p:cTn>
+      </p:par>
+    </p:tnLst>
+  </p:timing>
 </p:sld>
 </file>
 
@@ -14804,39 +16380,62 @@
               <a:buNone/>
             </a:pPr>
             <a:r>
-              <a:rPr lang="en-US" sz="2000" dirty="0"/>
-              <a:t>For our class, </a:t>
-            </a:r>
-            <a:r>
-              <a:rPr lang="en-US" sz="2000" dirty="0" err="1"/>
-              <a:t>Jupyter</a:t>
-            </a:r>
-            <a:r>
-              <a:rPr lang="en-US" sz="2000" dirty="0"/>
-              <a:t> notebook assignments will contain </a:t>
-            </a:r>
-            <a:r>
-              <a:rPr lang="en-US" sz="2000" dirty="0" err="1"/>
-              <a:t>Jupyter</a:t>
-            </a:r>
-            <a:r>
-              <a:rPr lang="en-US" sz="2000" dirty="0"/>
-              <a:t> notebook .</a:t>
-            </a:r>
-            <a:r>
-              <a:rPr lang="en-US" sz="2000" dirty="0" err="1"/>
+              <a:rPr lang="en-US" sz="2000" dirty="0">
+                <a:solidFill>
+                  <a:srgbClr val="FF0000"/>
+                </a:solidFill>
+              </a:rPr>
+              <a:t>How to open a .</a:t>
+            </a:r>
+            <a:r>
+              <a:rPr lang="en-US" sz="2000" dirty="0" err="1">
+                <a:solidFill>
+                  <a:srgbClr val="FF0000"/>
+                </a:solidFill>
+              </a:rPr>
               <a:t>ipynb</a:t>
             </a:r>
             <a:r>
-              <a:rPr lang="en-US" sz="2000" dirty="0"/>
-              <a:t> file along with other files such as text files or images bundled in a zip(compressed) folder. </a:t>
+              <a:rPr lang="en-US" sz="2000" dirty="0">
+                <a:solidFill>
+                  <a:srgbClr val="FF0000"/>
+                </a:solidFill>
+              </a:rPr>
+              <a:t> notebook(next three slides):</a:t>
             </a:r>
           </a:p>
           <a:p>
             <a:pPr marL="0" indent="0">
               <a:buNone/>
             </a:pPr>
-            <a:endParaRPr lang="en-US" sz="2000" dirty="0"/>
+            <a:r>
+              <a:rPr lang="en-US" sz="2000" dirty="0"/>
+              <a:t>For our class, </a:t>
+            </a:r>
+            <a:r>
+              <a:rPr lang="en-US" sz="2000" dirty="0" err="1"/>
+              <a:t>Jupyter</a:t>
+            </a:r>
+            <a:r>
+              <a:rPr lang="en-US" sz="2000" dirty="0"/>
+              <a:t> notebook assignments will contain </a:t>
+            </a:r>
+            <a:r>
+              <a:rPr lang="en-US" sz="2000" dirty="0" err="1"/>
+              <a:t>Jupyter</a:t>
+            </a:r>
+            <a:r>
+              <a:rPr lang="en-US" sz="2000" dirty="0"/>
+              <a:t> notebook .</a:t>
+            </a:r>
+            <a:r>
+              <a:rPr lang="en-US" sz="2000" dirty="0" err="1"/>
+              <a:t>ipynb</a:t>
+            </a:r>
+            <a:r>
+              <a:rPr lang="en-US" sz="2000" dirty="0"/>
+              <a:t> file along with other files such as text files or images bundled in a zip(compressed) folder. </a:t>
+            </a:r>
           </a:p>
           <a:p>
             <a:pPr marL="0" indent="0">
@@ -15070,6 +16669,291 @@
     <a:masterClrMapping/>
   </p:clrMapOvr>
   <p:transition/>
+  <p:timing>
+    <p:tnLst>
+      <p:par>
+        <p:cTn id="1" dur="indefinite" restart="never" nodeType="tmRoot">
+          <p:childTnLst>
+            <p:seq concurrent="1" nextAc="seek">
+              <p:cTn id="2" dur="indefinite" nodeType="mainSeq">
+                <p:childTnLst>
+                  <p:par>
+                    <p:cTn id="3" fill="hold">
+                      <p:stCondLst>
+                        <p:cond delay="indefinite"/>
+                      </p:stCondLst>
+                      <p:childTnLst>
+                        <p:par>
+                          <p:cTn id="4" fill="hold">
+                            <p:stCondLst>
+                              <p:cond delay="0"/>
+                            </p:stCondLst>
+                            <p:childTnLst>
+                              <p:par>
+                                <p:cTn id="5" presetID="1" presetClass="entr" presetSubtype="0" fill="hold" nodeType="clickEffect">
+                                  <p:stCondLst>
+                                    <p:cond delay="0"/>
+                                  </p:stCondLst>
+                                  <p:childTnLst>
+                                    <p:set>
+                                      <p:cBhvr>
+                                        <p:cTn id="6" dur="1" fill="hold">
+                                          <p:stCondLst>
+                                            <p:cond delay="0"/>
+                                          </p:stCondLst>
+                                        </p:cTn>
+                                        <p:tgtEl>
+                                          <p:spTgt spid="16386">
+                                            <p:txEl>
+                                              <p:pRg st="3" end="3"/>
+                                            </p:txEl>
+                                          </p:spTgt>
+                                        </p:tgtEl>
+                                        <p:attrNameLst>
+                                          <p:attrName>style.visibility</p:attrName>
+                                        </p:attrNameLst>
+                                      </p:cBhvr>
+                                      <p:to>
+                                        <p:strVal val="visible"/>
+                                      </p:to>
+                                    </p:set>
+                                  </p:childTnLst>
+                                </p:cTn>
+                              </p:par>
+                            </p:childTnLst>
+                          </p:cTn>
+                        </p:par>
+                      </p:childTnLst>
+                    </p:cTn>
+                  </p:par>
+                  <p:par>
+                    <p:cTn id="7" fill="hold">
+                      <p:stCondLst>
+                        <p:cond delay="indefinite"/>
+                      </p:stCondLst>
+                      <p:childTnLst>
+                        <p:par>
+                          <p:cTn id="8" fill="hold">
+                            <p:stCondLst>
+                              <p:cond delay="0"/>
+                            </p:stCondLst>
+                            <p:childTnLst>
+                              <p:par>
+                                <p:cTn id="9" presetID="1" presetClass="entr" presetSubtype="0" fill="hold" nodeType="clickEffect">
+                                  <p:stCondLst>
+                                    <p:cond delay="0"/>
+                                  </p:stCondLst>
+                                  <p:childTnLst>
+                                    <p:set>
+                                      <p:cBhvr>
+                                        <p:cTn id="10" dur="1" fill="hold">
+                                          <p:stCondLst>
+                                            <p:cond delay="0"/>
+                                          </p:stCondLst>
+                                        </p:cTn>
+                                        <p:tgtEl>
+                                          <p:spTgt spid="16386">
+                                            <p:txEl>
+                                              <p:pRg st="4" end="4"/>
+                                            </p:txEl>
+                                          </p:spTgt>
+                                        </p:tgtEl>
+                                        <p:attrNameLst>
+                                          <p:attrName>style.visibility</p:attrName>
+                                        </p:attrNameLst>
+                                      </p:cBhvr>
+                                      <p:to>
+                                        <p:strVal val="visible"/>
+                                      </p:to>
+                                    </p:set>
+                                  </p:childTnLst>
+                                </p:cTn>
+                              </p:par>
+                            </p:childTnLst>
+                          </p:cTn>
+                        </p:par>
+                      </p:childTnLst>
+                    </p:cTn>
+                  </p:par>
+                  <p:par>
+                    <p:cTn id="11" fill="hold">
+                      <p:stCondLst>
+                        <p:cond delay="indefinite"/>
+                      </p:stCondLst>
+                      <p:childTnLst>
+                        <p:par>
+                          <p:cTn id="12" fill="hold">
+                            <p:stCondLst>
+                              <p:cond delay="0"/>
+                            </p:stCondLst>
+                            <p:childTnLst>
+                              <p:par>
+                                <p:cTn id="13" presetID="1" presetClass="entr" presetSubtype="0" fill="hold" nodeType="clickEffect">
+                                  <p:stCondLst>
+                                    <p:cond delay="0"/>
+                                  </p:stCondLst>
+                                  <p:childTnLst>
+                                    <p:set>
+                                      <p:cBhvr>
+                                        <p:cTn id="14" dur="1" fill="hold">
+                                          <p:stCondLst>
+                                            <p:cond delay="0"/>
+                                          </p:stCondLst>
+                                        </p:cTn>
+                                        <p:tgtEl>
+                                          <p:spTgt spid="3"/>
+                                        </p:tgtEl>
+                                        <p:attrNameLst>
+                                          <p:attrName>style.visibility</p:attrName>
+                                        </p:attrNameLst>
+                                      </p:cBhvr>
+                                      <p:to>
+                                        <p:strVal val="visible"/>
+                                      </p:to>
+                                    </p:set>
+                                  </p:childTnLst>
+                                </p:cTn>
+                              </p:par>
+                              <p:par>
+                                <p:cTn id="15" presetID="1" presetClass="entr" presetSubtype="0" fill="hold" grpId="0" nodeType="withEffect">
+                                  <p:stCondLst>
+                                    <p:cond delay="0"/>
+                                  </p:stCondLst>
+                                  <p:childTnLst>
+                                    <p:set>
+                                      <p:cBhvr>
+                                        <p:cTn id="16" dur="1" fill="hold">
+                                          <p:stCondLst>
+                                            <p:cond delay="0"/>
+                                          </p:stCondLst>
+                                        </p:cTn>
+                                        <p:tgtEl>
+                                          <p:spTgt spid="7"/>
+                                        </p:tgtEl>
+                                        <p:attrNameLst>
+                                          <p:attrName>style.visibility</p:attrName>
+                                        </p:attrNameLst>
+                                      </p:cBhvr>
+                                      <p:to>
+                                        <p:strVal val="visible"/>
+                                      </p:to>
+                                    </p:set>
+                                  </p:childTnLst>
+                                </p:cTn>
+                              </p:par>
+                              <p:par>
+                                <p:cTn id="17" presetID="1" presetClass="entr" presetSubtype="0" fill="hold" nodeType="withEffect">
+                                  <p:stCondLst>
+                                    <p:cond delay="0"/>
+                                  </p:stCondLst>
+                                  <p:childTnLst>
+                                    <p:set>
+                                      <p:cBhvr>
+                                        <p:cTn id="18" dur="1" fill="hold">
+                                          <p:stCondLst>
+                                            <p:cond delay="0"/>
+                                          </p:stCondLst>
+                                        </p:cTn>
+                                        <p:tgtEl>
+                                          <p:spTgt spid="6"/>
+                                        </p:tgtEl>
+                                        <p:attrNameLst>
+                                          <p:attrName>style.visibility</p:attrName>
+                                        </p:attrNameLst>
+                                      </p:cBhvr>
+                                      <p:to>
+                                        <p:strVal val="visible"/>
+                                      </p:to>
+                                    </p:set>
+                                  </p:childTnLst>
+                                </p:cTn>
+                              </p:par>
+                              <p:par>
+                                <p:cTn id="19" presetID="1" presetClass="entr" presetSubtype="0" fill="hold" nodeType="withEffect">
+                                  <p:stCondLst>
+                                    <p:cond delay="0"/>
+                                  </p:stCondLst>
+                                  <p:childTnLst>
+                                    <p:set>
+                                      <p:cBhvr>
+                                        <p:cTn id="20" dur="1" fill="hold">
+                                          <p:stCondLst>
+                                            <p:cond delay="0"/>
+                                          </p:stCondLst>
+                                        </p:cTn>
+                                        <p:tgtEl>
+                                          <p:spTgt spid="12"/>
+                                        </p:tgtEl>
+                                        <p:attrNameLst>
+                                          <p:attrName>style.visibility</p:attrName>
+                                        </p:attrNameLst>
+                                      </p:cBhvr>
+                                      <p:to>
+                                        <p:strVal val="visible"/>
+                                      </p:to>
+                                    </p:set>
+                                  </p:childTnLst>
+                                </p:cTn>
+                              </p:par>
+                              <p:par>
+                                <p:cTn id="21" presetID="1" presetClass="entr" presetSubtype="0" fill="hold" grpId="0" nodeType="withEffect">
+                                  <p:stCondLst>
+                                    <p:cond delay="0"/>
+                                  </p:stCondLst>
+                                  <p:childTnLst>
+                                    <p:set>
+                                      <p:cBhvr>
+                                        <p:cTn id="22" dur="1" fill="hold">
+                                          <p:stCondLst>
+                                            <p:cond delay="0"/>
+                                          </p:stCondLst>
+                                        </p:cTn>
+                                        <p:tgtEl>
+                                          <p:spTgt spid="4"/>
+                                        </p:tgtEl>
+                                        <p:attrNameLst>
+                                          <p:attrName>style.visibility</p:attrName>
+                                        </p:attrNameLst>
+                                      </p:cBhvr>
+                                      <p:to>
+                                        <p:strVal val="visible"/>
+                                      </p:to>
+                                    </p:set>
+                                  </p:childTnLst>
+                                </p:cTn>
+                              </p:par>
+                            </p:childTnLst>
+                          </p:cTn>
+                        </p:par>
+                      </p:childTnLst>
+                    </p:cTn>
+                  </p:par>
+                </p:childTnLst>
+              </p:cTn>
+              <p:prevCondLst>
+                <p:cond evt="onPrev" delay="0">
+                  <p:tgtEl>
+                    <p:sldTgt/>
+                  </p:tgtEl>
+                </p:cond>
+              </p:prevCondLst>
+              <p:nextCondLst>
+                <p:cond evt="onNext" delay="0">
+                  <p:tgtEl>
+                    <p:sldTgt/>
+                  </p:tgtEl>
+                </p:cond>
+              </p:nextCondLst>
+            </p:seq>
+          </p:childTnLst>
+        </p:cTn>
+      </p:par>
+    </p:tnLst>
+    <p:bldLst>
+      <p:bldP spid="4" grpId="0"/>
+      <p:bldP spid="7" grpId="0"/>
+    </p:bldLst>
+  </p:timing>
 </p:sld>
 </file>
 
@@ -15327,6 +17211,138 @@
     <a:masterClrMapping/>
   </p:clrMapOvr>
   <p:transition/>
+  <p:timing>
+    <p:tnLst>
+      <p:par>
+        <p:cTn id="1" dur="indefinite" restart="never" nodeType="tmRoot">
+          <p:childTnLst>
+            <p:seq concurrent="1" nextAc="seek">
+              <p:cTn id="2" dur="indefinite" nodeType="mainSeq">
+                <p:childTnLst>
+                  <p:par>
+                    <p:cTn id="3" fill="hold">
+                      <p:stCondLst>
+                        <p:cond delay="indefinite"/>
+                      </p:stCondLst>
+                      <p:childTnLst>
+                        <p:par>
+                          <p:cTn id="4" fill="hold">
+                            <p:stCondLst>
+                              <p:cond delay="0"/>
+                            </p:stCondLst>
+                            <p:childTnLst>
+                              <p:par>
+                                <p:cTn id="5" presetID="1" presetClass="entr" presetSubtype="0" fill="hold" nodeType="clickEffect">
+                                  <p:stCondLst>
+                                    <p:cond delay="0"/>
+                                  </p:stCondLst>
+                                  <p:childTnLst>
+                                    <p:set>
+                                      <p:cBhvr>
+                                        <p:cTn id="6" dur="1" fill="hold">
+                                          <p:stCondLst>
+                                            <p:cond delay="0"/>
+                                          </p:stCondLst>
+                                        </p:cTn>
+                                        <p:tgtEl>
+                                          <p:spTgt spid="3"/>
+                                        </p:tgtEl>
+                                        <p:attrNameLst>
+                                          <p:attrName>style.visibility</p:attrName>
+                                        </p:attrNameLst>
+                                      </p:cBhvr>
+                                      <p:to>
+                                        <p:strVal val="visible"/>
+                                      </p:to>
+                                    </p:set>
+                                  </p:childTnLst>
+                                </p:cTn>
+                              </p:par>
+                              <p:par>
+                                <p:cTn id="7" presetID="1" presetClass="entr" presetSubtype="0" fill="hold" nodeType="withEffect">
+                                  <p:stCondLst>
+                                    <p:cond delay="0"/>
+                                  </p:stCondLst>
+                                  <p:childTnLst>
+                                    <p:set>
+                                      <p:cBhvr>
+                                        <p:cTn id="8" dur="1" fill="hold">
+                                          <p:stCondLst>
+                                            <p:cond delay="0"/>
+                                          </p:stCondLst>
+                                        </p:cTn>
+                                        <p:tgtEl>
+                                          <p:spTgt spid="7"/>
+                                        </p:tgtEl>
+                                        <p:attrNameLst>
+                                          <p:attrName>style.visibility</p:attrName>
+                                        </p:attrNameLst>
+                                      </p:cBhvr>
+                                      <p:to>
+                                        <p:strVal val="visible"/>
+                                      </p:to>
+                                    </p:set>
+                                  </p:childTnLst>
+                                </p:cTn>
+                              </p:par>
+                              <p:par>
+                                <p:cTn id="9" presetID="1" presetClass="entr" presetSubtype="0" fill="hold" grpId="0" nodeType="withEffect">
+                                  <p:stCondLst>
+                                    <p:cond delay="0"/>
+                                  </p:stCondLst>
+                                  <p:childTnLst>
+                                    <p:set>
+                                      <p:cBhvr>
+                                        <p:cTn id="10" dur="1" fill="hold">
+                                          <p:stCondLst>
+                                            <p:cond delay="0"/>
+                                          </p:stCondLst>
+                                        </p:cTn>
+                                        <p:tgtEl>
+                                          <p:spTgt spid="6"/>
+                                        </p:tgtEl>
+                                        <p:attrNameLst>
+                                          <p:attrName>style.visibility</p:attrName>
+                                        </p:attrNameLst>
+                                      </p:cBhvr>
+                                      <p:to>
+                                        <p:strVal val="visible"/>
+                                      </p:to>
+                                    </p:set>
+                                  </p:childTnLst>
+                                </p:cTn>
+                              </p:par>
+                            </p:childTnLst>
+                          </p:cTn>
+                        </p:par>
+                      </p:childTnLst>
+                    </p:cTn>
+                  </p:par>
+                </p:childTnLst>
+              </p:cTn>
+              <p:prevCondLst>
+                <p:cond evt="onPrev" delay="0">
+                  <p:tgtEl>
+                    <p:sldTgt/>
+                  </p:tgtEl>
+                </p:cond>
+              </p:prevCondLst>
+              <p:nextCondLst>
+                <p:cond evt="onNext" delay="0">
+                  <p:tgtEl>
+                    <p:sldTgt/>
+                  </p:tgtEl>
+                </p:cond>
+              </p:nextCondLst>
+            </p:seq>
+          </p:childTnLst>
+        </p:cTn>
+      </p:par>
+    </p:tnLst>
+    <p:bldLst>
+      <p:bldP spid="6" grpId="0"/>
+    </p:bldLst>
+  </p:timing>
 </p:sld>
 </file>
 
@@ -15796,7 +17812,22 @@
               <a:rPr lang="en-US" altLang="en-US" sz="1667" dirty="0">
                 <a:latin typeface="Tahoma" panose="020B0604030504040204" pitchFamily="34" charset="0"/>
               </a:rPr>
-              <a:t>To run a cell and execute the code in the cell, press: Shift + Enter. </a:t>
+              <a:t>To run a cell and execute the code in the cell, press: </a:t>
+            </a:r>
+            <a:r>
+              <a:rPr lang="en-US" altLang="en-US" sz="1667" dirty="0">
+                <a:solidFill>
+                  <a:srgbClr val="FF0000"/>
+                </a:solidFill>
+                <a:latin typeface="Tahoma" panose="020B0604030504040204" pitchFamily="34" charset="0"/>
+              </a:rPr>
+              <a:t>Shift + Enter</a:t>
+            </a:r>
+            <a:r>
+              <a:rPr lang="en-US" altLang="en-US" sz="1667" dirty="0">
+                <a:latin typeface="Tahoma" panose="020B0604030504040204" pitchFamily="34" charset="0"/>
+              </a:rPr>
+              <a:t>. </a:t>
             </a:r>
           </a:p>
           <a:p>
@@ -15910,6 +17941,269 @@
     <a:masterClrMapping/>
   </p:clrMapOvr>
   <p:transition/>
+  <p:timing>
+    <p:tnLst>
+      <p:par>
+        <p:cTn id="1" dur="indefinite" restart="never" nodeType="tmRoot">
+          <p:childTnLst>
+            <p:seq concurrent="1" nextAc="seek">
+              <p:cTn id="2" dur="indefinite" nodeType="mainSeq">
+                <p:childTnLst>
+                  <p:par>
+                    <p:cTn id="3" fill="hold">
+                      <p:stCondLst>
+                        <p:cond delay="indefinite"/>
+                      </p:stCondLst>
+                      <p:childTnLst>
+                        <p:par>
+                          <p:cTn id="4" fill="hold">
+                            <p:stCondLst>
+                              <p:cond delay="0"/>
+                            </p:stCondLst>
+                            <p:childTnLst>
+                              <p:par>
+                                <p:cTn id="5" presetID="1" presetClass="entr" presetSubtype="0" fill="hold" nodeType="clickEffect">
+                                  <p:stCondLst>
+                                    <p:cond delay="0"/>
+                                  </p:stCondLst>
+                                  <p:childTnLst>
+                                    <p:set>
+                                      <p:cBhvr>
+                                        <p:cTn id="6" dur="1" fill="hold">
+                                          <p:stCondLst>
+                                            <p:cond delay="0"/>
+                                          </p:stCondLst>
+                                        </p:cTn>
+                                        <p:tgtEl>
+                                          <p:spTgt spid="2"/>
+                                        </p:tgtEl>
+                                        <p:attrNameLst>
+                                          <p:attrName>style.visibility</p:attrName>
+                                        </p:attrNameLst>
+                                      </p:cBhvr>
+                                      <p:to>
+                                        <p:strVal val="visible"/>
+                                      </p:to>
+                                    </p:set>
+                                  </p:childTnLst>
+                                </p:cTn>
+                              </p:par>
+                            </p:childTnLst>
+                          </p:cTn>
+                        </p:par>
+                      </p:childTnLst>
+                    </p:cTn>
+                  </p:par>
+                  <p:par>
+                    <p:cTn id="7" fill="hold">
+                      <p:stCondLst>
+                        <p:cond delay="indefinite"/>
+                      </p:stCondLst>
+                      <p:childTnLst>
+                        <p:par>
+                          <p:cTn id="8" fill="hold">
+                            <p:stCondLst>
+                              <p:cond delay="0"/>
+                            </p:stCondLst>
+                            <p:childTnLst>
+                              <p:par>
+                                <p:cTn id="9" presetID="1" presetClass="entr" presetSubtype="0" fill="hold" nodeType="clickEffect">
+                                  <p:stCondLst>
+                                    <p:cond delay="0"/>
+                                  </p:stCondLst>
+                                  <p:childTnLst>
+                                    <p:set>
+                                      <p:cBhvr>
+                                        <p:cTn id="10" dur="1" fill="hold">
+                                          <p:stCondLst>
+                                            <p:cond delay="0"/>
+                                          </p:stCondLst>
+                                        </p:cTn>
+                                        <p:tgtEl>
+                                          <p:spTgt spid="16386">
+                                            <p:txEl>
+                                              <p:pRg st="5" end="5"/>
+                                            </p:txEl>
+                                          </p:spTgt>
+                                        </p:tgtEl>
+                                        <p:attrNameLst>
+                                          <p:attrName>style.visibility</p:attrName>
+                                        </p:attrNameLst>
+                                      </p:cBhvr>
+                                      <p:to>
+                                        <p:strVal val="visible"/>
+                                      </p:to>
+                                    </p:set>
+                                  </p:childTnLst>
+                                </p:cTn>
+                              </p:par>
+                            </p:childTnLst>
+                          </p:cTn>
+                        </p:par>
+                      </p:childTnLst>
+                    </p:cTn>
+                  </p:par>
+                  <p:par>
+                    <p:cTn id="11" fill="hold">
+                      <p:stCondLst>
+                        <p:cond delay="indefinite"/>
+                      </p:stCondLst>
+                      <p:childTnLst>
+                        <p:par>
+                          <p:cTn id="12" fill="hold">
+                            <p:stCondLst>
+                              <p:cond delay="0"/>
+                            </p:stCondLst>
+                            <p:childTnLst>
+                              <p:par>
+                                <p:cTn id="13" presetID="1" presetClass="entr" presetSubtype="0" fill="hold" nodeType="clickEffect">
+                                  <p:stCondLst>
+                                    <p:cond delay="0"/>
+                                  </p:stCondLst>
+                                  <p:childTnLst>
+                                    <p:set>
+                                      <p:cBhvr>
+                                        <p:cTn id="14" dur="1" fill="hold">
+                                          <p:stCondLst>
+                                            <p:cond delay="0"/>
+                                          </p:stCondLst>
+                                        </p:cTn>
+                                        <p:tgtEl>
+                                          <p:spTgt spid="3"/>
+                                        </p:tgtEl>
+                                        <p:attrNameLst>
+                                          <p:attrName>style.visibility</p:attrName>
+                                        </p:attrNameLst>
+                                      </p:cBhvr>
+                                      <p:to>
+                                        <p:strVal val="visible"/>
+                                      </p:to>
+                                    </p:set>
+                                  </p:childTnLst>
+                                </p:cTn>
+                              </p:par>
+                            </p:childTnLst>
+                          </p:cTn>
+                        </p:par>
+                      </p:childTnLst>
+                    </p:cTn>
+                  </p:par>
+                  <p:par>
+                    <p:cTn id="15" fill="hold">
+                      <p:stCondLst>
+                        <p:cond delay="indefinite"/>
+                      </p:stCondLst>
+                      <p:childTnLst>
+                        <p:par>
+                          <p:cTn id="16" fill="hold">
+                            <p:stCondLst>
+                              <p:cond delay="0"/>
+                            </p:stCondLst>
+                            <p:childTnLst>
+                              <p:par>
+                                <p:cTn id="17" presetID="1" presetClass="entr" presetSubtype="0" fill="hold" nodeType="clickEffect">
+                                  <p:stCondLst>
+                                    <p:cond delay="0"/>
+                                  </p:stCondLst>
+                                  <p:childTnLst>
+                                    <p:set>
+                                      <p:cBhvr>
+                                        <p:cTn id="18" dur="1" fill="hold">
+                                          <p:stCondLst>
+                                            <p:cond delay="0"/>
+                                          </p:stCondLst>
+                                        </p:cTn>
+                                        <p:tgtEl>
+                                          <p:spTgt spid="16386">
+                                            <p:txEl>
+                                              <p:pRg st="9" end="9"/>
+                                            </p:txEl>
+                                          </p:spTgt>
+                                        </p:tgtEl>
+                                        <p:attrNameLst>
+                                          <p:attrName>style.visibility</p:attrName>
+                                        </p:attrNameLst>
+                                      </p:cBhvr>
+                                      <p:to>
+                                        <p:strVal val="visible"/>
+                                      </p:to>
+                                    </p:set>
+                                  </p:childTnLst>
+                                </p:cTn>
+                              </p:par>
+                            </p:childTnLst>
+                          </p:cTn>
+                        </p:par>
+                      </p:childTnLst>
+                    </p:cTn>
+                  </p:par>
+                  <p:par>
+                    <p:cTn id="19" fill="hold">
+                      <p:stCondLst>
+                        <p:cond delay="indefinite"/>
+                      </p:stCondLst>
+                      <p:childTnLst>
+                        <p:par>
+                          <p:cTn id="20" fill="hold">
+                            <p:stCondLst>
+                              <p:cond delay="0"/>
+                            </p:stCondLst>
+                            <p:childTnLst>
+                              <p:par>
+                                <p:cTn id="21" presetID="1" presetClass="entr" presetSubtype="0" fill="hold" nodeType="clickEffect">
+                                  <p:stCondLst>
+                                    <p:cond delay="0"/>
+                                  </p:stCondLst>
+                                  <p:childTnLst>
+                                    <p:set>
+                                      <p:cBhvr>
+                                        <p:cTn id="22" dur="1" fill="hold">
+                                          <p:stCondLst>
+                                            <p:cond delay="0"/>
+                                          </p:stCondLst>
+                                        </p:cTn>
+                                        <p:tgtEl>
+                                          <p:spTgt spid="5"/>
+                                        </p:tgtEl>
+                                        <p:attrNameLst>
+                                          <p:attrName>style.visibility</p:attrName>
+                                        </p:attrNameLst>
+                                      </p:cBhvr>
+                                      <p:to>
+                                        <p:strVal val="visible"/>
+                                      </p:to>
+                                    </p:set>
+                                  </p:childTnLst>
+                                </p:cTn>
+                              </p:par>
+                            </p:childTnLst>
+                          </p:cTn>
+                        </p:par>
+                      </p:childTnLst>
+                    </p:cTn>
+                  </p:par>
+                </p:childTnLst>
+              </p:cTn>
+              <p:prevCondLst>
+                <p:cond evt="onPrev" delay="0">
+                  <p:tgtEl>
+                    <p:sldTgt/>
+                  </p:tgtEl>
+                </p:cond>
+              </p:prevCondLst>
+              <p:nextCondLst>
+                <p:cond evt="onNext" delay="0">
+                  <p:tgtEl>
+                    <p:sldTgt/>
+                  </p:tgtEl>
+                </p:cond>
+              </p:nextCondLst>
+            </p:seq>
+          </p:childTnLst>
+        </p:cTn>
+      </p:par>
+    </p:tnLst>
+  </p:timing>
 </p:sld>
 </file>
 
@@ -15962,7 +18256,7 @@
                 <a:latin typeface="Tahoma" panose="020B0604030504040204" pitchFamily="34" charset="0"/>
                 <a:ea typeface="ＭＳ Ｐゴシック" panose="020B0600070205080204" pitchFamily="34" charset="-128"/>
               </a:rPr>
-              <a:t>Command Mode</a:t>
+              <a:t>Edit Mode</a:t>
             </a:r>
           </a:p>
         </p:txBody>
@@ -15998,37 +18292,26 @@
             <a:pPr marL="0" indent="0">
               <a:buNone/>
             </a:pPr>
-            <a:r>
-              <a:rPr lang="en-US" dirty="0"/>
-              <a:t>A notebook has two modes of operation: command and edit modes.</a:t>
-            </a:r>
+            <a:endParaRPr lang="en-US" dirty="0"/>
           </a:p>
           <a:p>
             <a:pPr marL="0" indent="0">
               <a:buNone/>
             </a:pPr>
             <a:r>
-              <a:rPr lang="en-US" b="1" dirty="0"/>
-              <a:t>Command Mode (Press</a:t>
-            </a:r>
-            <a:r>
               <a:rPr lang="en-US" dirty="0"/>
-              <a:t> &lt;ESC&gt; </a:t>
-            </a:r>
-            <a:r>
-              <a:rPr lang="en-US" b="1" dirty="0"/>
-              <a:t>to activate)</a:t>
-            </a:r>
-            <a:endParaRPr lang="en-US" dirty="0"/>
+              <a:t>A notebook has two modes of operation: command and edit modes.</a:t>
+            </a:r>
           </a:p>
           <a:p>
             <a:pPr marL="0" indent="0">
               <a:buNone/>
             </a:pPr>
             <a:r>
-              <a:rPr lang="en-US" dirty="0"/>
-              <a:t>When in command mode, you can use keyboard shortcuts to create/delete/cut/paste notebook cells, and to change a cell’s type between code and markdown modes. </a:t>
-            </a:r>
+              <a:rPr lang="en-US" b="1" dirty="0"/>
+              <a:t>Edit Mode (Click on textbox in the cell to begin editing the cell)</a:t>
+            </a:r>
+            <a:endParaRPr lang="en-US" dirty="0"/>
           </a:p>
           <a:p>
             <a:pPr marL="0" indent="0">
@@ -16042,15 +18325,15 @@
             </a:pPr>
             <a:r>
               <a:rPr lang="en-US" dirty="0"/>
-              <a:t>Your selected cell will be surrounded by a </a:t>
+              <a:t>Edit mode allows you to edit that cell by writing either code or markdown. Your selected cell will be surrounded by a </a:t>
             </a:r>
             <a:r>
               <a:rPr lang="en-US" b="1" dirty="0"/>
-              <a:t>blue</a:t>
+              <a:t>green</a:t>
             </a:r>
             <a:r>
               <a:rPr lang="en-US" dirty="0"/>
-              <a:t> border when you are in command mode.</a:t>
+              <a:t> border when you are in edit mode.</a:t>
             </a:r>
             <a:endParaRPr lang="en-US" altLang="en-US" sz="1667" dirty="0">
               <a:latin typeface="Tahoma" panose="020B0604030504040204" pitchFamily="34" charset="0"/>
@@ -16060,10 +18343,10 @@
       </p:sp>
       <p:pic>
         <p:nvPicPr>
-          <p:cNvPr id="4" name="Picture 3">
+          <p:cNvPr id="2" name="Picture 1">
             <a:extLst>
               <a:ext uri="{FF2B5EF4-FFF2-40B4-BE49-F238E27FC236}">
-                <a16:creationId xmlns:a16="http://schemas.microsoft.com/office/drawing/2014/main" id="{FFB38162-702C-AE4E-871F-B4FACF0A3420}"/>
+                <a16:creationId xmlns:a16="http://schemas.microsoft.com/office/drawing/2014/main" id="{E8052850-707B-A843-AA60-A7F5986D42A2}"/>
               </a:ext>
             </a:extLst>
           </p:cNvPr>
@@ -16080,18 +18363,62 @@
         </p:blipFill>
         <p:spPr>
           <a:xfrm>
-            <a:off x="1171199" y="3602276"/>
-            <a:ext cx="7646256" cy="2078712"/>
+            <a:off x="1287400" y="3949057"/>
+            <a:ext cx="4656364" cy="976616"/>
           </a:xfrm>
           <a:prstGeom prst="rect">
             <a:avLst/>
           </a:prstGeom>
         </p:spPr>
       </p:pic>
+      <p:cxnSp>
+        <p:nvCxnSpPr>
+          <p:cNvPr id="9" name="Straight Arrow Connector 8">
+            <a:extLst>
+              <a:ext uri="{FF2B5EF4-FFF2-40B4-BE49-F238E27FC236}">
+                <a16:creationId xmlns:a16="http://schemas.microsoft.com/office/drawing/2014/main" id="{29116AF4-2B35-9B46-824C-02CFDC25FFD0}"/>
+              </a:ext>
+            </a:extLst>
+          </p:cNvPr>
+          <p:cNvCxnSpPr>
+            <a:cxnSpLocks/>
+          </p:cNvCxnSpPr>
+          <p:nvPr/>
+        </p:nvCxnSpPr>
+        <p:spPr>
+          <a:xfrm flipH="1">
+            <a:off x="1611086" y="3022601"/>
+            <a:ext cx="3254249" cy="1201056"/>
+          </a:xfrm>
+          <a:prstGeom prst="straightConnector1">
+            <a:avLst/>
+          </a:prstGeom>
+          <a:ln w="31750">
+            <a:solidFill>
+              <a:schemeClr val="tx1"/>
+            </a:solidFill>
+            <a:tailEnd type="triangle"/>
+          </a:ln>
+        </p:spPr>
+        <p:style>
+          <a:lnRef idx="1">
+            <a:schemeClr val="accent1"/>
+          </a:lnRef>
+          <a:fillRef idx="0">
+            <a:schemeClr val="accent1"/>
+          </a:fillRef>
+          <a:effectRef idx="0">
+            <a:schemeClr val="accent1"/>
+          </a:effectRef>
+          <a:fontRef idx="minor">
+            <a:schemeClr val="tx1"/>
+          </a:fontRef>
+        </p:style>
+      </p:cxnSp>
     </p:spTree>
     <p:extLst>
       <p:ext uri="{BB962C8B-B14F-4D97-AF65-F5344CB8AC3E}">
-        <p14:creationId xmlns:p14="http://schemas.microsoft.com/office/powerpoint/2010/main" val="2113750020"/>
+        <p14:creationId xmlns:p14="http://schemas.microsoft.com/office/powerpoint/2010/main" val="3264916986"/>
       </p:ext>
     </p:extLst>
   </p:cSld>
@@ -16099,6 +18426,206 @@
     <a:masterClrMapping/>
   </p:clrMapOvr>
   <p:transition/>
+  <p:timing>
+    <p:tnLst>
+      <p:par>
+        <p:cTn id="1" dur="indefinite" restart="never" nodeType="tmRoot">
+          <p:childTnLst>
+            <p:seq concurrent="1" nextAc="seek">
+              <p:cTn id="2" dur="indefinite" nodeType="mainSeq">
+                <p:childTnLst>
+                  <p:par>
+                    <p:cTn id="3" fill="hold">
+                      <p:stCondLst>
+                        <p:cond delay="indefinite"/>
+                      </p:stCondLst>
+                      <p:childTnLst>
+                        <p:par>
+                          <p:cTn id="4" fill="hold">
+                            <p:stCondLst>
+                              <p:cond delay="0"/>
+                            </p:stCondLst>
+                            <p:childTnLst>
+                              <p:par>
+                                <p:cTn id="5" presetID="1" presetClass="entr" presetSubtype="0" fill="hold" nodeType="clickEffect">
+                                  <p:stCondLst>
+                                    <p:cond delay="0"/>
+                                  </p:stCondLst>
+                                  <p:childTnLst>
+                                    <p:set>
+                                      <p:cBhvr>
+                                        <p:cTn id="6" dur="1" fill="hold">
+                                          <p:stCondLst>
+                                            <p:cond delay="0"/>
+                                          </p:stCondLst>
+                                        </p:cTn>
+                                        <p:tgtEl>
+                                          <p:spTgt spid="16386">
+                                            <p:txEl>
+                                              <p:pRg st="2" end="2"/>
+                                            </p:txEl>
+                                          </p:spTgt>
+                                        </p:tgtEl>
+                                        <p:attrNameLst>
+                                          <p:attrName>style.visibility</p:attrName>
+                                        </p:attrNameLst>
+                                      </p:cBhvr>
+                                      <p:to>
+                                        <p:strVal val="visible"/>
+                                      </p:to>
+                                    </p:set>
+                                  </p:childTnLst>
+                                </p:cTn>
+                              </p:par>
+                            </p:childTnLst>
+                          </p:cTn>
+                        </p:par>
+                      </p:childTnLst>
+                    </p:cTn>
+                  </p:par>
+                  <p:par>
+                    <p:cTn id="7" fill="hold">
+                      <p:stCondLst>
+                        <p:cond delay="indefinite"/>
+                      </p:stCondLst>
+                      <p:childTnLst>
+                        <p:par>
+                          <p:cTn id="8" fill="hold">
+                            <p:stCondLst>
+                              <p:cond delay="0"/>
+                            </p:stCondLst>
+                            <p:childTnLst>
+                              <p:par>
+                                <p:cTn id="9" presetID="1" presetClass="entr" presetSubtype="0" fill="hold" nodeType="clickEffect">
+                                  <p:stCondLst>
+                                    <p:cond delay="0"/>
+                                  </p:stCondLst>
+                                  <p:childTnLst>
+                                    <p:set>
+                                      <p:cBhvr>
+                                        <p:cTn id="10" dur="1" fill="hold">
+                                          <p:stCondLst>
+                                            <p:cond delay="0"/>
+                                          </p:stCondLst>
+                                        </p:cTn>
+                                        <p:tgtEl>
+                                          <p:spTgt spid="16386">
+                                            <p:txEl>
+                                              <p:pRg st="4" end="4"/>
+                                            </p:txEl>
+                                          </p:spTgt>
+                                        </p:tgtEl>
+                                        <p:attrNameLst>
+                                          <p:attrName>style.visibility</p:attrName>
+                                        </p:attrNameLst>
+                                      </p:cBhvr>
+                                      <p:to>
+                                        <p:strVal val="visible"/>
+                                      </p:to>
+                                    </p:set>
+                                  </p:childTnLst>
+                                </p:cTn>
+                              </p:par>
+                            </p:childTnLst>
+                          </p:cTn>
+                        </p:par>
+                      </p:childTnLst>
+                    </p:cTn>
+                  </p:par>
+                  <p:par>
+                    <p:cTn id="11" fill="hold">
+                      <p:stCondLst>
+                        <p:cond delay="indefinite"/>
+                      </p:stCondLst>
+                      <p:childTnLst>
+                        <p:par>
+                          <p:cTn id="12" fill="hold">
+                            <p:stCondLst>
+                              <p:cond delay="0"/>
+                            </p:stCondLst>
+                            <p:childTnLst>
+                              <p:par>
+                                <p:cTn id="13" presetID="1" presetClass="entr" presetSubtype="0" fill="hold" nodeType="clickEffect">
+                                  <p:stCondLst>
+                                    <p:cond delay="0"/>
+                                  </p:stCondLst>
+                                  <p:childTnLst>
+                                    <p:set>
+                                      <p:cBhvr>
+                                        <p:cTn id="14" dur="1" fill="hold">
+                                          <p:stCondLst>
+                                            <p:cond delay="0"/>
+                                          </p:stCondLst>
+                                        </p:cTn>
+                                        <p:tgtEl>
+                                          <p:spTgt spid="9"/>
+                                        </p:tgtEl>
+                                        <p:attrNameLst>
+                                          <p:attrName>style.visibility</p:attrName>
+                                        </p:attrNameLst>
+                                      </p:cBhvr>
+                                      <p:to>
+                                        <p:strVal val="visible"/>
+                                      </p:to>
+                                    </p:set>
+                                  </p:childTnLst>
+                                </p:cTn>
+                              </p:par>
+                              <p:par>
+                                <p:cTn id="15" presetID="1" presetClass="entr" presetSubtype="0" fill="hold" nodeType="withEffect">
+                                  <p:stCondLst>
+                                    <p:cond delay="0"/>
+                                  </p:stCondLst>
+                                  <p:childTnLst>
+                                    <p:set>
+                                      <p:cBhvr>
+                                        <p:cTn id="16" dur="1" fill="hold">
+                                          <p:stCondLst>
+                                            <p:cond delay="0"/>
+                                          </p:stCondLst>
+                                        </p:cTn>
+                                        <p:tgtEl>
+                                          <p:spTgt spid="2"/>
+                                        </p:tgtEl>
+                                        <p:attrNameLst>
+                                          <p:attrName>style.visibility</p:attrName>
+                                        </p:attrNameLst>
+                                      </p:cBhvr>
+                                      <p:to>
+                                        <p:strVal val="visible"/>
+                                      </p:to>
+                                    </p:set>
+                                  </p:childTnLst>
+                                </p:cTn>
+                              </p:par>
+                            </p:childTnLst>
+                          </p:cTn>
+                        </p:par>
+                      </p:childTnLst>
+                    </p:cTn>
+                  </p:par>
+                </p:childTnLst>
+              </p:cTn>
+              <p:prevCondLst>
+                <p:cond evt="onPrev" delay="0">
+                  <p:tgtEl>
+                    <p:sldTgt/>
+                  </p:tgtEl>
+                </p:cond>
+              </p:prevCondLst>
+              <p:nextCondLst>
+                <p:cond evt="onNext" delay="0">
+                  <p:tgtEl>
+                    <p:sldTgt/>
+                  </p:tgtEl>
+                </p:cond>
+              </p:nextCondLst>
+            </p:seq>
+          </p:childTnLst>
+        </p:cTn>
+      </p:par>
+    </p:tnLst>
+  </p:timing>
 </p:sld>
 </file>
 
